--- a/MissingDataWorkshop2018.pptx
+++ b/MissingDataWorkshop2018.pptx
@@ -5,7 +5,7 @@
     <p:sldMasterId id="2147483719" r:id="rId1"/>
   </p:sldMasterIdLst>
   <p:notesMasterIdLst>
-    <p:notesMasterId r:id="rId63"/>
+    <p:notesMasterId r:id="rId73"/>
   </p:notesMasterIdLst>
   <p:sldIdLst>
     <p:sldId id="256" r:id="rId2"/>
@@ -39,36 +39,46 @@
     <p:sldId id="292" r:id="rId30"/>
     <p:sldId id="291" r:id="rId31"/>
     <p:sldId id="305" r:id="rId32"/>
-    <p:sldId id="313" r:id="rId33"/>
-    <p:sldId id="294" r:id="rId34"/>
-    <p:sldId id="275" r:id="rId35"/>
-    <p:sldId id="264" r:id="rId36"/>
-    <p:sldId id="297" r:id="rId37"/>
-    <p:sldId id="298" r:id="rId38"/>
-    <p:sldId id="299" r:id="rId39"/>
-    <p:sldId id="320" r:id="rId40"/>
-    <p:sldId id="314" r:id="rId41"/>
-    <p:sldId id="310" r:id="rId42"/>
-    <p:sldId id="300" r:id="rId43"/>
-    <p:sldId id="311" r:id="rId44"/>
-    <p:sldId id="322" r:id="rId45"/>
-    <p:sldId id="309" r:id="rId46"/>
-    <p:sldId id="307" r:id="rId47"/>
-    <p:sldId id="302" r:id="rId48"/>
-    <p:sldId id="306" r:id="rId49"/>
-    <p:sldId id="303" r:id="rId50"/>
-    <p:sldId id="265" r:id="rId51"/>
-    <p:sldId id="312" r:id="rId52"/>
-    <p:sldId id="324" r:id="rId53"/>
-    <p:sldId id="325" r:id="rId54"/>
-    <p:sldId id="317" r:id="rId55"/>
-    <p:sldId id="318" r:id="rId56"/>
-    <p:sldId id="321" r:id="rId57"/>
-    <p:sldId id="319" r:id="rId58"/>
-    <p:sldId id="304" r:id="rId59"/>
-    <p:sldId id="293" r:id="rId60"/>
-    <p:sldId id="323" r:id="rId61"/>
-    <p:sldId id="301" r:id="rId62"/>
+    <p:sldId id="327" r:id="rId33"/>
+    <p:sldId id="313" r:id="rId34"/>
+    <p:sldId id="294" r:id="rId35"/>
+    <p:sldId id="275" r:id="rId36"/>
+    <p:sldId id="264" r:id="rId37"/>
+    <p:sldId id="326" r:id="rId38"/>
+    <p:sldId id="297" r:id="rId39"/>
+    <p:sldId id="298" r:id="rId40"/>
+    <p:sldId id="299" r:id="rId41"/>
+    <p:sldId id="320" r:id="rId42"/>
+    <p:sldId id="314" r:id="rId43"/>
+    <p:sldId id="335" r:id="rId44"/>
+    <p:sldId id="328" r:id="rId45"/>
+    <p:sldId id="310" r:id="rId46"/>
+    <p:sldId id="300" r:id="rId47"/>
+    <p:sldId id="311" r:id="rId48"/>
+    <p:sldId id="322" r:id="rId49"/>
+    <p:sldId id="332" r:id="rId50"/>
+    <p:sldId id="331" r:id="rId51"/>
+    <p:sldId id="329" r:id="rId52"/>
+    <p:sldId id="330" r:id="rId53"/>
+    <p:sldId id="333" r:id="rId54"/>
+    <p:sldId id="309" r:id="rId55"/>
+    <p:sldId id="307" r:id="rId56"/>
+    <p:sldId id="302" r:id="rId57"/>
+    <p:sldId id="306" r:id="rId58"/>
+    <p:sldId id="303" r:id="rId59"/>
+    <p:sldId id="265" r:id="rId60"/>
+    <p:sldId id="312" r:id="rId61"/>
+    <p:sldId id="324" r:id="rId62"/>
+    <p:sldId id="325" r:id="rId63"/>
+    <p:sldId id="317" r:id="rId64"/>
+    <p:sldId id="334" r:id="rId65"/>
+    <p:sldId id="318" r:id="rId66"/>
+    <p:sldId id="321" r:id="rId67"/>
+    <p:sldId id="319" r:id="rId68"/>
+    <p:sldId id="304" r:id="rId69"/>
+    <p:sldId id="293" r:id="rId70"/>
+    <p:sldId id="323" r:id="rId71"/>
+    <p:sldId id="301" r:id="rId72"/>
   </p:sldIdLst>
   <p:sldSz cx="9144000" cy="6858000" type="screen4x3"/>
   <p:notesSz cx="6858000" cy="9144000"/>
@@ -257,7 +267,7 @@
           <a:p>
             <a:fld id="{2BB643A2-8906-4538-AADA-43C0EAEBD875}" type="datetimeFigureOut">
               <a:rPr lang="en-US" smtClean="0"/>
-              <a:t>9/18/2018</a:t>
+              <a:t>9/20/2018</a:t>
             </a:fld>
             <a:endParaRPr lang="en-US"/>
           </a:p>
@@ -734,7 +744,7 @@
           <a:p>
             <a:fld id="{B12B263D-7114-4A94-9291-43924DC14C86}" type="datetimeFigureOut">
               <a:rPr lang="en-US" smtClean="0"/>
-              <a:t>9/18/2018</a:t>
+              <a:t>9/20/2018</a:t>
             </a:fld>
             <a:endParaRPr lang="en-US"/>
           </a:p>
@@ -1048,7 +1058,7 @@
           <a:p>
             <a:fld id="{B12B263D-7114-4A94-9291-43924DC14C86}" type="datetimeFigureOut">
               <a:rPr lang="en-US" smtClean="0"/>
-              <a:t>9/18/2018</a:t>
+              <a:t>9/20/2018</a:t>
             </a:fld>
             <a:endParaRPr lang="en-US"/>
           </a:p>
@@ -1270,7 +1280,7 @@
           <a:p>
             <a:fld id="{B12B263D-7114-4A94-9291-43924DC14C86}" type="datetimeFigureOut">
               <a:rPr lang="en-US" smtClean="0"/>
-              <a:t>9/18/2018</a:t>
+              <a:t>9/20/2018</a:t>
             </a:fld>
             <a:endParaRPr lang="en-US"/>
           </a:p>
@@ -1564,7 +1574,7 @@
           <a:p>
             <a:fld id="{B12B263D-7114-4A94-9291-43924DC14C86}" type="datetimeFigureOut">
               <a:rPr lang="en-US" smtClean="0"/>
-              <a:t>9/18/2018</a:t>
+              <a:t>9/20/2018</a:t>
             </a:fld>
             <a:endParaRPr lang="en-US"/>
           </a:p>
@@ -2020,7 +2030,7 @@
           <a:p>
             <a:fld id="{B12B263D-7114-4A94-9291-43924DC14C86}" type="datetimeFigureOut">
               <a:rPr lang="en-US" smtClean="0"/>
-              <a:t>9/18/2018</a:t>
+              <a:t>9/20/2018</a:t>
             </a:fld>
             <a:endParaRPr lang="en-US"/>
           </a:p>
@@ -2611,7 +2621,7 @@
           <a:p>
             <a:fld id="{B12B263D-7114-4A94-9291-43924DC14C86}" type="datetimeFigureOut">
               <a:rPr lang="en-US" smtClean="0"/>
-              <a:t>9/18/2018</a:t>
+              <a:t>9/20/2018</a:t>
             </a:fld>
             <a:endParaRPr lang="en-US"/>
           </a:p>
@@ -3487,7 +3497,7 @@
           <a:p>
             <a:fld id="{B12B263D-7114-4A94-9291-43924DC14C86}" type="datetimeFigureOut">
               <a:rPr lang="en-US" smtClean="0"/>
-              <a:t>9/18/2018</a:t>
+              <a:t>9/20/2018</a:t>
             </a:fld>
             <a:endParaRPr lang="en-US"/>
           </a:p>
@@ -3697,7 +3707,7 @@
           <a:p>
             <a:fld id="{B12B263D-7114-4A94-9291-43924DC14C86}" type="datetimeFigureOut">
               <a:rPr lang="en-US" smtClean="0"/>
-              <a:t>9/18/2018</a:t>
+              <a:t>9/20/2018</a:t>
             </a:fld>
             <a:endParaRPr lang="en-US"/>
           </a:p>
@@ -3907,7 +3917,7 @@
           <a:p>
             <a:fld id="{B12B263D-7114-4A94-9291-43924DC14C86}" type="datetimeFigureOut">
               <a:rPr lang="en-US" smtClean="0"/>
-              <a:t>9/18/2018</a:t>
+              <a:t>9/20/2018</a:t>
             </a:fld>
             <a:endParaRPr lang="en-US"/>
           </a:p>
@@ -4140,7 +4150,7 @@
           <a:p>
             <a:fld id="{B12B263D-7114-4A94-9291-43924DC14C86}" type="datetimeFigureOut">
               <a:rPr lang="en-US" smtClean="0"/>
-              <a:t>9/18/2018</a:t>
+              <a:t>9/20/2018</a:t>
             </a:fld>
             <a:endParaRPr lang="en-US"/>
           </a:p>
@@ -4427,7 +4437,7 @@
           <a:p>
             <a:fld id="{B12B263D-7114-4A94-9291-43924DC14C86}" type="datetimeFigureOut">
               <a:rPr lang="en-US" smtClean="0"/>
-              <a:t>9/18/2018</a:t>
+              <a:t>9/20/2018</a:t>
             </a:fld>
             <a:endParaRPr lang="en-US"/>
           </a:p>
@@ -4697,7 +4707,7 @@
           <a:p>
             <a:fld id="{B12B263D-7114-4A94-9291-43924DC14C86}" type="datetimeFigureOut">
               <a:rPr lang="en-US" smtClean="0"/>
-              <a:t>9/18/2018</a:t>
+              <a:t>9/20/2018</a:t>
             </a:fld>
             <a:endParaRPr lang="en-US"/>
           </a:p>
@@ -5131,7 +5141,7 @@
           <a:p>
             <a:fld id="{B12B263D-7114-4A94-9291-43924DC14C86}" type="datetimeFigureOut">
               <a:rPr lang="en-US" smtClean="0"/>
-              <a:t>9/18/2018</a:t>
+              <a:t>9/20/2018</a:t>
             </a:fld>
             <a:endParaRPr lang="en-US"/>
           </a:p>
@@ -5281,7 +5291,7 @@
           <a:p>
             <a:fld id="{B12B263D-7114-4A94-9291-43924DC14C86}" type="datetimeFigureOut">
               <a:rPr lang="en-US" smtClean="0"/>
-              <a:t>9/18/2018</a:t>
+              <a:t>9/20/2018</a:t>
             </a:fld>
             <a:endParaRPr lang="en-US"/>
           </a:p>
@@ -5400,7 +5410,7 @@
           <a:p>
             <a:fld id="{B12B263D-7114-4A94-9291-43924DC14C86}" type="datetimeFigureOut">
               <a:rPr lang="en-US" smtClean="0"/>
-              <a:t>9/18/2018</a:t>
+              <a:t>9/20/2018</a:t>
             </a:fld>
             <a:endParaRPr lang="en-US"/>
           </a:p>
@@ -5708,7 +5718,7 @@
           <a:p>
             <a:fld id="{B12B263D-7114-4A94-9291-43924DC14C86}" type="datetimeFigureOut">
               <a:rPr lang="en-US" smtClean="0"/>
-              <a:t>9/18/2018</a:t>
+              <a:t>9/20/2018</a:t>
             </a:fld>
             <a:endParaRPr lang="en-US"/>
           </a:p>
@@ -6024,7 +6034,7 @@
           <a:p>
             <a:fld id="{B12B263D-7114-4A94-9291-43924DC14C86}" type="datetimeFigureOut">
               <a:rPr lang="en-US" smtClean="0"/>
-              <a:t>9/18/2018</a:t>
+              <a:t>9/20/2018</a:t>
             </a:fld>
             <a:endParaRPr lang="en-US"/>
           </a:p>
@@ -6279,7 +6289,7 @@
           <a:p>
             <a:fld id="{B12B263D-7114-4A94-9291-43924DC14C86}" type="datetimeFigureOut">
               <a:rPr lang="en-US" smtClean="0"/>
-              <a:t>9/18/2018</a:t>
+              <a:t>9/20/2018</a:t>
             </a:fld>
             <a:endParaRPr lang="en-US"/>
           </a:p>
@@ -19190,6 +19200,102 @@
           <p:cNvPr id="2" name="Title 1">
             <a:extLst>
               <a:ext uri="{FF2B5EF4-FFF2-40B4-BE49-F238E27FC236}">
+                <a16:creationId xmlns:a16="http://schemas.microsoft.com/office/drawing/2014/main" id="{F9F65818-819A-4AC1-AEFA-F881DC59E903}"/>
+              </a:ext>
+            </a:extLst>
+          </p:cNvPr>
+          <p:cNvSpPr>
+            <a:spLocks noGrp="1"/>
+          </p:cNvSpPr>
+          <p:nvPr>
+            <p:ph type="title"/>
+          </p:nvPr>
+        </p:nvSpPr>
+        <p:spPr/>
+        <p:txBody>
+          <a:bodyPr/>
+          <a:lstStyle/>
+          <a:p>
+            <a:pPr algn="ctr"/>
+            <a:r>
+              <a:rPr lang="en-US" dirty="0"/>
+              <a:t>menti.com</a:t>
+            </a:r>
+          </a:p>
+        </p:txBody>
+      </p:sp>
+      <p:sp>
+        <p:nvSpPr>
+          <p:cNvPr id="3" name="Content Placeholder 2">
+            <a:extLst>
+              <a:ext uri="{FF2B5EF4-FFF2-40B4-BE49-F238E27FC236}">
+                <a16:creationId xmlns:a16="http://schemas.microsoft.com/office/drawing/2014/main" id="{D81E7F43-C28E-4F47-8D83-7586B013A073}"/>
+              </a:ext>
+            </a:extLst>
+          </p:cNvPr>
+          <p:cNvSpPr>
+            <a:spLocks noGrp="1"/>
+          </p:cNvSpPr>
+          <p:nvPr>
+            <p:ph idx="1"/>
+          </p:nvPr>
+        </p:nvSpPr>
+        <p:spPr/>
+        <p:txBody>
+          <a:bodyPr/>
+          <a:lstStyle/>
+          <a:p>
+            <a:r>
+              <a:rPr lang="en-US" dirty="0"/>
+              <a:t>Give an example of data missing completely at random (MCAR).</a:t>
+            </a:r>
+          </a:p>
+          <a:p>
+            <a:endParaRPr lang="en-US" dirty="0"/>
+          </a:p>
+          <a:p>
+            <a:r>
+              <a:rPr lang="en-US" dirty="0"/>
+              <a:t>Give an example of data missing not at random (MNAR).</a:t>
+            </a:r>
+          </a:p>
+        </p:txBody>
+      </p:sp>
+    </p:spTree>
+    <p:extLst>
+      <p:ext uri="{BB962C8B-B14F-4D97-AF65-F5344CB8AC3E}">
+        <p14:creationId xmlns:p14="http://schemas.microsoft.com/office/powerpoint/2010/main" val="3028498210"/>
+      </p:ext>
+    </p:extLst>
+  </p:cSld>
+  <p:clrMapOvr>
+    <a:masterClrMapping/>
+  </p:clrMapOvr>
+</p:sld>
+</file>
+
+<file path=ppt/slides/slide33.xml><?xml version="1.0" encoding="utf-8"?>
+<p:sld xmlns:a="http://schemas.openxmlformats.org/drawingml/2006/main" xmlns:r="http://schemas.openxmlformats.org/officeDocument/2006/relationships" xmlns:p="http://schemas.openxmlformats.org/presentationml/2006/main">
+  <p:cSld>
+    <p:spTree>
+      <p:nvGrpSpPr>
+        <p:cNvPr id="1" name=""/>
+        <p:cNvGrpSpPr/>
+        <p:nvPr/>
+      </p:nvGrpSpPr>
+      <p:grpSpPr>
+        <a:xfrm>
+          <a:off x="0" y="0"/>
+          <a:ext cx="0" cy="0"/>
+          <a:chOff x="0" y="0"/>
+          <a:chExt cx="0" cy="0"/>
+        </a:xfrm>
+      </p:grpSpPr>
+      <p:sp>
+        <p:nvSpPr>
+          <p:cNvPr id="2" name="Title 1">
+            <a:extLst>
+              <a:ext uri="{FF2B5EF4-FFF2-40B4-BE49-F238E27FC236}">
                 <a16:creationId xmlns:a16="http://schemas.microsoft.com/office/drawing/2014/main" id="{7D3512D0-AE1C-4956-9495-2130567CFC73}"/>
               </a:ext>
             </a:extLst>
@@ -19337,7 +19443,7 @@
 </p:sld>
 </file>
 
-<file path=ppt/slides/slide33.xml><?xml version="1.0" encoding="utf-8"?>
+<file path=ppt/slides/slide34.xml><?xml version="1.0" encoding="utf-8"?>
 <p:sld xmlns:a="http://schemas.openxmlformats.org/drawingml/2006/main" xmlns:r="http://schemas.openxmlformats.org/officeDocument/2006/relationships" xmlns:p="http://schemas.openxmlformats.org/presentationml/2006/main">
   <p:cSld>
     <p:spTree>
@@ -19437,7 +19543,7 @@
 </p:sld>
 </file>
 
-<file path=ppt/slides/slide34.xml><?xml version="1.0" encoding="utf-8"?>
+<file path=ppt/slides/slide35.xml><?xml version="1.0" encoding="utf-8"?>
 <p:sld xmlns:a="http://schemas.openxmlformats.org/drawingml/2006/main" xmlns:r="http://schemas.openxmlformats.org/officeDocument/2006/relationships" xmlns:p="http://schemas.openxmlformats.org/presentationml/2006/main">
   <p:cSld>
     <p:spTree>
@@ -20216,7 +20322,7 @@
 </p:sld>
 </file>
 
-<file path=ppt/slides/slide35.xml><?xml version="1.0" encoding="utf-8"?>
+<file path=ppt/slides/slide36.xml><?xml version="1.0" encoding="utf-8"?>
 <p:sld xmlns:a="http://schemas.openxmlformats.org/drawingml/2006/main" xmlns:r="http://schemas.openxmlformats.org/officeDocument/2006/relationships" xmlns:p="http://schemas.openxmlformats.org/presentationml/2006/main">
   <p:cSld>
     <p:spTree>
@@ -20313,23 +20419,7 @@
             <a:pPr lvl="1"/>
             <a:r>
               <a:rPr lang="en-US" dirty="0"/>
-              <a:t>Compare mean X values for M</a:t>
-            </a:r>
-            <a:r>
-              <a:rPr lang="en-US" baseline="-25000" dirty="0"/>
-              <a:t>Y</a:t>
-            </a:r>
-            <a:r>
-              <a:rPr lang="en-US" dirty="0"/>
-              <a:t> = 0 vs. M</a:t>
-            </a:r>
-            <a:r>
-              <a:rPr lang="en-US" baseline="-25000" dirty="0"/>
-              <a:t>Y </a:t>
-            </a:r>
-            <a:r>
-              <a:rPr lang="en-US" dirty="0"/>
-              <a:t>= 1 (t tests)</a:t>
+              <a:t>Compare mean X values for MY = 0 vs. MY = 1 (t tests)</a:t>
             </a:r>
           </a:p>
           <a:p>
@@ -20341,26 +20431,6 @@
           </a:p>
           <a:p>
             <a:pPr lvl="1"/>
-            <a:r>
-              <a:rPr lang="en-US" dirty="0"/>
-              <a:t>Little (1986) created an omnibus test for small datasets</a:t>
-            </a:r>
-          </a:p>
-          <a:p>
-            <a:pPr lvl="2"/>
-            <a:r>
-              <a:rPr lang="en-US" dirty="0">
-                <a:hlinkClick r:id="rId2"/>
-              </a:rPr>
-              <a:t>https://www.tandfonline.com/doi/abs/10.1080/01621459.1988.10478722</a:t>
-            </a:r>
-            <a:r>
-              <a:rPr lang="en-US" dirty="0"/>
-              <a:t> </a:t>
-            </a:r>
-          </a:p>
-          <a:p>
-            <a:pPr lvl="2"/>
             <a:r>
               <a:rPr lang="en-US" dirty="0"/>
               <a:t>But this is not widely accepted</a:t>
@@ -20729,7 +20799,7 @@
                                         <p:tgtEl>
                                           <p:spTgt spid="3">
                                             <p:txEl>
-                                              <p:pRg st="6" end="6"/>
+                                              <p:pRg st="7" end="7"/>
                                             </p:txEl>
                                           </p:spTgt>
                                         </p:tgtEl>
@@ -20778,105 +20848,7 @@
                                         <p:tgtEl>
                                           <p:spTgt spid="3">
                                             <p:txEl>
-                                              <p:pRg st="7" end="7"/>
-                                            </p:txEl>
-                                          </p:spTgt>
-                                        </p:tgtEl>
-                                        <p:attrNameLst>
-                                          <p:attrName>style.visibility</p:attrName>
-                                        </p:attrNameLst>
-                                      </p:cBhvr>
-                                      <p:to>
-                                        <p:strVal val="visible"/>
-                                      </p:to>
-                                    </p:set>
-                                  </p:childTnLst>
-                                </p:cTn>
-                              </p:par>
-                            </p:childTnLst>
-                          </p:cTn>
-                        </p:par>
-                      </p:childTnLst>
-                    </p:cTn>
-                  </p:par>
-                  <p:par>
-                    <p:cTn id="35" fill="hold">
-                      <p:stCondLst>
-                        <p:cond delay="indefinite"/>
-                      </p:stCondLst>
-                      <p:childTnLst>
-                        <p:par>
-                          <p:cTn id="36" fill="hold">
-                            <p:stCondLst>
-                              <p:cond delay="0"/>
-                            </p:stCondLst>
-                            <p:childTnLst>
-                              <p:par>
-                                <p:cTn id="37" presetID="1" presetClass="entr" presetSubtype="0" fill="hold" nodeType="clickEffect">
-                                  <p:stCondLst>
-                                    <p:cond delay="0"/>
-                                  </p:stCondLst>
-                                  <p:childTnLst>
-                                    <p:set>
-                                      <p:cBhvr>
-                                        <p:cTn id="38" dur="1" fill="hold">
-                                          <p:stCondLst>
-                                            <p:cond delay="0"/>
-                                          </p:stCondLst>
-                                        </p:cTn>
-                                        <p:tgtEl>
-                                          <p:spTgt spid="3">
-                                            <p:txEl>
-                                              <p:pRg st="9" end="9"/>
-                                            </p:txEl>
-                                          </p:spTgt>
-                                        </p:tgtEl>
-                                        <p:attrNameLst>
-                                          <p:attrName>style.visibility</p:attrName>
-                                        </p:attrNameLst>
-                                      </p:cBhvr>
-                                      <p:to>
-                                        <p:strVal val="visible"/>
-                                      </p:to>
-                                    </p:set>
-                                  </p:childTnLst>
-                                </p:cTn>
-                              </p:par>
-                            </p:childTnLst>
-                          </p:cTn>
-                        </p:par>
-                      </p:childTnLst>
-                    </p:cTn>
-                  </p:par>
-                  <p:par>
-                    <p:cTn id="39" fill="hold">
-                      <p:stCondLst>
-                        <p:cond delay="indefinite"/>
-                      </p:stCondLst>
-                      <p:childTnLst>
-                        <p:par>
-                          <p:cTn id="40" fill="hold">
-                            <p:stCondLst>
-                              <p:cond delay="0"/>
-                            </p:stCondLst>
-                            <p:childTnLst>
-                              <p:par>
-                                <p:cTn id="41" presetID="1" presetClass="entr" presetSubtype="0" fill="hold" nodeType="clickEffect">
-                                  <p:stCondLst>
-                                    <p:cond delay="0"/>
-                                  </p:stCondLst>
-                                  <p:childTnLst>
-                                    <p:set>
-                                      <p:cBhvr>
-                                        <p:cTn id="42" dur="1" fill="hold">
-                                          <p:stCondLst>
-                                            <p:cond delay="0"/>
-                                          </p:stCondLst>
-                                        </p:cTn>
-                                        <p:tgtEl>
-                                          <p:spTgt spid="3">
-                                            <p:txEl>
-                                              <p:pRg st="10" end="10"/>
+                                              <p:pRg st="8" end="8"/>
                                             </p:txEl>
                                           </p:spTgt>
                                         </p:tgtEl>
@@ -20922,7 +20894,134 @@
 </p:sld>
 </file>
 
-<file path=ppt/slides/slide36.xml><?xml version="1.0" encoding="utf-8"?>
+<file path=ppt/slides/slide37.xml><?xml version="1.0" encoding="utf-8"?>
+<p:sld xmlns:a="http://schemas.openxmlformats.org/drawingml/2006/main" xmlns:r="http://schemas.openxmlformats.org/officeDocument/2006/relationships" xmlns:p="http://schemas.openxmlformats.org/presentationml/2006/main">
+  <p:cSld>
+    <p:spTree>
+      <p:nvGrpSpPr>
+        <p:cNvPr id="1" name=""/>
+        <p:cNvGrpSpPr/>
+        <p:nvPr/>
+      </p:nvGrpSpPr>
+      <p:grpSpPr>
+        <a:xfrm>
+          <a:off x="0" y="0"/>
+          <a:ext cx="0" cy="0"/>
+          <a:chOff x="0" y="0"/>
+          <a:chExt cx="0" cy="0"/>
+        </a:xfrm>
+      </p:grpSpPr>
+      <p:sp>
+        <p:nvSpPr>
+          <p:cNvPr id="2" name="Title 1">
+            <a:extLst>
+              <a:ext uri="{FF2B5EF4-FFF2-40B4-BE49-F238E27FC236}">
+                <a16:creationId xmlns:a16="http://schemas.microsoft.com/office/drawing/2014/main" id="{F4A38C16-8A50-4C61-A87F-10DD662FD053}"/>
+              </a:ext>
+            </a:extLst>
+          </p:cNvPr>
+          <p:cNvSpPr>
+            <a:spLocks noGrp="1"/>
+          </p:cNvSpPr>
+          <p:nvPr>
+            <p:ph type="title"/>
+          </p:nvPr>
+        </p:nvSpPr>
+        <p:spPr/>
+        <p:txBody>
+          <a:bodyPr/>
+          <a:lstStyle/>
+          <a:p>
+            <a:pPr algn="ctr"/>
+            <a:r>
+              <a:rPr lang="en-US" dirty="0"/>
+              <a:t>menti.com</a:t>
+            </a:r>
+          </a:p>
+        </p:txBody>
+      </p:sp>
+      <p:sp>
+        <p:nvSpPr>
+          <p:cNvPr id="3" name="Content Placeholder 2">
+            <a:extLst>
+              <a:ext uri="{FF2B5EF4-FFF2-40B4-BE49-F238E27FC236}">
+                <a16:creationId xmlns:a16="http://schemas.microsoft.com/office/drawing/2014/main" id="{10CFE370-1C37-48F2-A8D5-87B0EA28FC3D}"/>
+              </a:ext>
+            </a:extLst>
+          </p:cNvPr>
+          <p:cNvSpPr>
+            <a:spLocks noGrp="1"/>
+          </p:cNvSpPr>
+          <p:nvPr>
+            <p:ph idx="1"/>
+          </p:nvPr>
+        </p:nvSpPr>
+        <p:spPr/>
+        <p:txBody>
+          <a:bodyPr/>
+          <a:lstStyle/>
+          <a:p>
+            <a:r>
+              <a:rPr lang="en-US" dirty="0"/>
+              <a:t>Name the missing data mechanism (MCAR, MAR, MNAR)</a:t>
+            </a:r>
+          </a:p>
+          <a:p>
+            <a:endParaRPr lang="en-US" dirty="0"/>
+          </a:p>
+          <a:p>
+            <a:pPr lvl="1"/>
+            <a:r>
+              <a:rPr lang="en-US" dirty="0"/>
+              <a:t>After controlling for political affiliation, missingness on a bias measure is unrelated to its underlying levels.</a:t>
+            </a:r>
+          </a:p>
+          <a:p>
+            <a:pPr lvl="1"/>
+            <a:endParaRPr lang="en-US" dirty="0"/>
+          </a:p>
+          <a:p>
+            <a:pPr lvl="1"/>
+            <a:r>
+              <a:rPr lang="en-US" dirty="0"/>
+              <a:t>A computer error caused 3 seconds of missing data on an EEG sensor.</a:t>
+            </a:r>
+          </a:p>
+          <a:p>
+            <a:pPr lvl="1"/>
+            <a:endParaRPr lang="en-US" dirty="0"/>
+          </a:p>
+          <a:p>
+            <a:pPr lvl="1"/>
+            <a:r>
+              <a:rPr lang="en-US" dirty="0"/>
+              <a:t>Whenever a baby became </a:t>
+            </a:r>
+            <a:r>
+              <a:rPr lang="en-US" dirty="0" err="1"/>
+              <a:t>overaroused</a:t>
+            </a:r>
+            <a:r>
+              <a:rPr lang="en-US" dirty="0"/>
+              <a:t> by a stimulus, his/her eye tracking data were missing due to too much movement.</a:t>
+            </a:r>
+          </a:p>
+        </p:txBody>
+      </p:sp>
+    </p:spTree>
+    <p:extLst>
+      <p:ext uri="{BB962C8B-B14F-4D97-AF65-F5344CB8AC3E}">
+        <p14:creationId xmlns:p14="http://schemas.microsoft.com/office/powerpoint/2010/main" val="3121450213"/>
+      </p:ext>
+    </p:extLst>
+  </p:cSld>
+  <p:clrMapOvr>
+    <a:masterClrMapping/>
+  </p:clrMapOvr>
+</p:sld>
+</file>
+
+<file path=ppt/slides/slide38.xml><?xml version="1.0" encoding="utf-8"?>
 <p:sld xmlns:a="http://schemas.openxmlformats.org/drawingml/2006/main" xmlns:r="http://schemas.openxmlformats.org/officeDocument/2006/relationships" xmlns:p="http://schemas.openxmlformats.org/presentationml/2006/main">
   <p:cSld>
     <p:bg>
@@ -21158,7 +21257,7 @@
 </p:sld>
 </file>
 
-<file path=ppt/slides/slide37.xml><?xml version="1.0" encoding="utf-8"?>
+<file path=ppt/slides/slide39.xml><?xml version="1.0" encoding="utf-8"?>
 <p:sld xmlns:a="http://schemas.openxmlformats.org/drawingml/2006/main" xmlns:r="http://schemas.openxmlformats.org/officeDocument/2006/relationships" xmlns:p="http://schemas.openxmlformats.org/presentationml/2006/main">
   <p:cSld>
     <p:spTree>
@@ -21436,245 +21535,6 @@
       </p:par>
     </p:tnLst>
   </p:timing>
-</p:sld>
-</file>
-
-<file path=ppt/slides/slide38.xml><?xml version="1.0" encoding="utf-8"?>
-<p:sld xmlns:a="http://schemas.openxmlformats.org/drawingml/2006/main" xmlns:r="http://schemas.openxmlformats.org/officeDocument/2006/relationships" xmlns:p="http://schemas.openxmlformats.org/presentationml/2006/main">
-  <p:cSld>
-    <p:spTree>
-      <p:nvGrpSpPr>
-        <p:cNvPr id="1" name=""/>
-        <p:cNvGrpSpPr/>
-        <p:nvPr/>
-      </p:nvGrpSpPr>
-      <p:grpSpPr>
-        <a:xfrm>
-          <a:off x="0" y="0"/>
-          <a:ext cx="0" cy="0"/>
-          <a:chOff x="0" y="0"/>
-          <a:chExt cx="0" cy="0"/>
-        </a:xfrm>
-      </p:grpSpPr>
-      <p:sp>
-        <p:nvSpPr>
-          <p:cNvPr id="2" name="Title 1">
-            <a:extLst>
-              <a:ext uri="{FF2B5EF4-FFF2-40B4-BE49-F238E27FC236}">
-                <a16:creationId xmlns:a16="http://schemas.microsoft.com/office/drawing/2014/main" id="{CC3EA244-CF16-4A0A-B9B2-57ECE40FB8F7}"/>
-              </a:ext>
-            </a:extLst>
-          </p:cNvPr>
-          <p:cNvSpPr>
-            <a:spLocks noGrp="1"/>
-          </p:cNvSpPr>
-          <p:nvPr>
-            <p:ph type="title"/>
-          </p:nvPr>
-        </p:nvSpPr>
-        <p:spPr/>
-        <p:txBody>
-          <a:bodyPr>
-            <a:normAutofit fontScale="90000"/>
-          </a:bodyPr>
-          <a:lstStyle/>
-          <a:p>
-            <a:r>
-              <a:rPr lang="en-US" dirty="0"/>
-              <a:t>We solve this problem by letting existing uncertainty propagate into imputations, and repeating the imputation process several times</a:t>
-            </a:r>
-          </a:p>
-        </p:txBody>
-      </p:sp>
-      <p:sp>
-        <p:nvSpPr>
-          <p:cNvPr id="3" name="Content Placeholder 2">
-            <a:extLst>
-              <a:ext uri="{FF2B5EF4-FFF2-40B4-BE49-F238E27FC236}">
-                <a16:creationId xmlns:a16="http://schemas.microsoft.com/office/drawing/2014/main" id="{E5103579-746D-4438-B3AF-2EF1A61DCB8F}"/>
-              </a:ext>
-            </a:extLst>
-          </p:cNvPr>
-          <p:cNvSpPr>
-            <a:spLocks noGrp="1"/>
-          </p:cNvSpPr>
-          <p:nvPr>
-            <p:ph idx="1"/>
-          </p:nvPr>
-        </p:nvSpPr>
-        <p:spPr/>
-        <p:txBody>
-          <a:bodyPr/>
-          <a:lstStyle/>
-          <a:p>
-            <a:pPr marL="0" indent="0" algn="ctr">
-              <a:buNone/>
-            </a:pPr>
-            <a:endParaRPr lang="en-US" dirty="0"/>
-          </a:p>
-          <a:p>
-            <a:pPr marL="0" indent="0" algn="ctr">
-              <a:buNone/>
-            </a:pPr>
-            <a:r>
-              <a:rPr lang="en-US" dirty="0"/>
-              <a:t>MLE slides 58-62</a:t>
-            </a:r>
-          </a:p>
-        </p:txBody>
-      </p:sp>
-    </p:spTree>
-    <p:extLst>
-      <p:ext uri="{BB962C8B-B14F-4D97-AF65-F5344CB8AC3E}">
-        <p14:creationId xmlns:p14="http://schemas.microsoft.com/office/powerpoint/2010/main" val="2563248234"/>
-      </p:ext>
-    </p:extLst>
-  </p:cSld>
-  <p:clrMapOvr>
-    <a:masterClrMapping/>
-  </p:clrMapOvr>
-</p:sld>
-</file>
-
-<file path=ppt/slides/slide39.xml><?xml version="1.0" encoding="utf-8"?>
-<p:sld xmlns:a="http://schemas.openxmlformats.org/drawingml/2006/main" xmlns:r="http://schemas.openxmlformats.org/officeDocument/2006/relationships" xmlns:p="http://schemas.openxmlformats.org/presentationml/2006/main">
-  <p:cSld>
-    <p:spTree>
-      <p:nvGrpSpPr>
-        <p:cNvPr id="1" name=""/>
-        <p:cNvGrpSpPr/>
-        <p:nvPr/>
-      </p:nvGrpSpPr>
-      <p:grpSpPr>
-        <a:xfrm>
-          <a:off x="0" y="0"/>
-          <a:ext cx="0" cy="0"/>
-          <a:chOff x="0" y="0"/>
-          <a:chExt cx="0" cy="0"/>
-        </a:xfrm>
-      </p:grpSpPr>
-      <p:sp>
-        <p:nvSpPr>
-          <p:cNvPr id="2" name="Title 1">
-            <a:extLst>
-              <a:ext uri="{FF2B5EF4-FFF2-40B4-BE49-F238E27FC236}">
-                <a16:creationId xmlns:a16="http://schemas.microsoft.com/office/drawing/2014/main" id="{09E976A0-1455-475D-B24F-14239702B33E}"/>
-              </a:ext>
-            </a:extLst>
-          </p:cNvPr>
-          <p:cNvSpPr>
-            <a:spLocks noGrp="1"/>
-          </p:cNvSpPr>
-          <p:nvPr>
-            <p:ph type="title"/>
-          </p:nvPr>
-        </p:nvSpPr>
-        <p:spPr/>
-        <p:txBody>
-          <a:bodyPr/>
-          <a:lstStyle/>
-          <a:p>
-            <a:r>
-              <a:rPr lang="en-US" dirty="0"/>
-              <a:t>Six Steps to Success (in Multiple Imputation)</a:t>
-            </a:r>
-          </a:p>
-        </p:txBody>
-      </p:sp>
-      <p:sp>
-        <p:nvSpPr>
-          <p:cNvPr id="3" name="Content Placeholder 2">
-            <a:extLst>
-              <a:ext uri="{FF2B5EF4-FFF2-40B4-BE49-F238E27FC236}">
-                <a16:creationId xmlns:a16="http://schemas.microsoft.com/office/drawing/2014/main" id="{8052895A-7BEF-41C8-8021-CDE62808E1B8}"/>
-              </a:ext>
-            </a:extLst>
-          </p:cNvPr>
-          <p:cNvSpPr>
-            <a:spLocks noGrp="1"/>
-          </p:cNvSpPr>
-          <p:nvPr>
-            <p:ph idx="1"/>
-          </p:nvPr>
-        </p:nvSpPr>
-        <p:spPr/>
-        <p:txBody>
-          <a:bodyPr>
-            <a:normAutofit/>
-          </a:bodyPr>
-          <a:lstStyle/>
-          <a:p>
-            <a:pPr marL="514350" indent="-514350">
-              <a:buFont typeface="+mj-lt"/>
-              <a:buAutoNum type="arabicPeriod"/>
-            </a:pPr>
-            <a:r>
-              <a:rPr lang="en-US" dirty="0"/>
-              <a:t>Perform a “dumb” imputation, like mean imputation, as a placeholder</a:t>
-            </a:r>
-          </a:p>
-          <a:p>
-            <a:pPr marL="514350" indent="-514350">
-              <a:buFont typeface="+mj-lt"/>
-              <a:buAutoNum type="arabicPeriod"/>
-            </a:pPr>
-            <a:r>
-              <a:rPr lang="en-US" dirty="0"/>
-              <a:t>Placeholder imputations for I (the variable we are currently imputing) are set to missing</a:t>
-            </a:r>
-          </a:p>
-          <a:p>
-            <a:pPr marL="514350" indent="-514350">
-              <a:buFont typeface="+mj-lt"/>
-              <a:buAutoNum type="arabicPeriod"/>
-            </a:pPr>
-            <a:r>
-              <a:rPr lang="en-US" dirty="0"/>
-              <a:t>I is regressed on all other variables in the model</a:t>
-            </a:r>
-          </a:p>
-          <a:p>
-            <a:pPr marL="514350" indent="-514350">
-              <a:buFont typeface="+mj-lt"/>
-              <a:buAutoNum type="arabicPeriod"/>
-            </a:pPr>
-            <a:r>
-              <a:rPr lang="en-US" dirty="0"/>
-              <a:t>Predictions from the model (including a random draw of residual error) in 3 entered for cases missing on I</a:t>
-            </a:r>
-          </a:p>
-          <a:p>
-            <a:pPr marL="514350" indent="-514350">
-              <a:buFont typeface="+mj-lt"/>
-              <a:buAutoNum type="arabicPeriod"/>
-            </a:pPr>
-            <a:r>
-              <a:rPr lang="en-US" dirty="0"/>
-              <a:t>Repeat 2-4 for each variable in the imputation model</a:t>
-            </a:r>
-          </a:p>
-          <a:p>
-            <a:pPr marL="514350" indent="-514350">
-              <a:buFont typeface="+mj-lt"/>
-              <a:buAutoNum type="arabicPeriod"/>
-            </a:pPr>
-            <a:r>
-              <a:rPr lang="en-US" dirty="0"/>
-              <a:t>Rinse and repeat many times</a:t>
-            </a:r>
-          </a:p>
-        </p:txBody>
-      </p:sp>
-    </p:spTree>
-    <p:extLst>
-      <p:ext uri="{BB962C8B-B14F-4D97-AF65-F5344CB8AC3E}">
-        <p14:creationId xmlns:p14="http://schemas.microsoft.com/office/powerpoint/2010/main" val="4100217793"/>
-      </p:ext>
-    </p:extLst>
-  </p:cSld>
-  <p:clrMapOvr>
-    <a:masterClrMapping/>
-  </p:clrMapOvr>
 </p:sld>
 </file>
 
@@ -22039,6 +21899,245 @@
           <p:cNvPr id="2" name="Title 1">
             <a:extLst>
               <a:ext uri="{FF2B5EF4-FFF2-40B4-BE49-F238E27FC236}">
+                <a16:creationId xmlns:a16="http://schemas.microsoft.com/office/drawing/2014/main" id="{CC3EA244-CF16-4A0A-B9B2-57ECE40FB8F7}"/>
+              </a:ext>
+            </a:extLst>
+          </p:cNvPr>
+          <p:cNvSpPr>
+            <a:spLocks noGrp="1"/>
+          </p:cNvSpPr>
+          <p:nvPr>
+            <p:ph type="title"/>
+          </p:nvPr>
+        </p:nvSpPr>
+        <p:spPr/>
+        <p:txBody>
+          <a:bodyPr>
+            <a:normAutofit fontScale="90000"/>
+          </a:bodyPr>
+          <a:lstStyle/>
+          <a:p>
+            <a:r>
+              <a:rPr lang="en-US" dirty="0"/>
+              <a:t>We solve this problem by letting existing uncertainty propagate into imputations, and repeating the imputation process several times</a:t>
+            </a:r>
+          </a:p>
+        </p:txBody>
+      </p:sp>
+      <p:sp>
+        <p:nvSpPr>
+          <p:cNvPr id="3" name="Content Placeholder 2">
+            <a:extLst>
+              <a:ext uri="{FF2B5EF4-FFF2-40B4-BE49-F238E27FC236}">
+                <a16:creationId xmlns:a16="http://schemas.microsoft.com/office/drawing/2014/main" id="{E5103579-746D-4438-B3AF-2EF1A61DCB8F}"/>
+              </a:ext>
+            </a:extLst>
+          </p:cNvPr>
+          <p:cNvSpPr>
+            <a:spLocks noGrp="1"/>
+          </p:cNvSpPr>
+          <p:nvPr>
+            <p:ph idx="1"/>
+          </p:nvPr>
+        </p:nvSpPr>
+        <p:spPr/>
+        <p:txBody>
+          <a:bodyPr/>
+          <a:lstStyle/>
+          <a:p>
+            <a:pPr marL="0" indent="0" algn="ctr">
+              <a:buNone/>
+            </a:pPr>
+            <a:endParaRPr lang="en-US" dirty="0"/>
+          </a:p>
+          <a:p>
+            <a:pPr marL="0" indent="0" algn="ctr">
+              <a:buNone/>
+            </a:pPr>
+            <a:r>
+              <a:rPr lang="en-US" dirty="0"/>
+              <a:t>MLE slides 58-62</a:t>
+            </a:r>
+          </a:p>
+        </p:txBody>
+      </p:sp>
+    </p:spTree>
+    <p:extLst>
+      <p:ext uri="{BB962C8B-B14F-4D97-AF65-F5344CB8AC3E}">
+        <p14:creationId xmlns:p14="http://schemas.microsoft.com/office/powerpoint/2010/main" val="2563248234"/>
+      </p:ext>
+    </p:extLst>
+  </p:cSld>
+  <p:clrMapOvr>
+    <a:masterClrMapping/>
+  </p:clrMapOvr>
+</p:sld>
+</file>
+
+<file path=ppt/slides/slide41.xml><?xml version="1.0" encoding="utf-8"?>
+<p:sld xmlns:a="http://schemas.openxmlformats.org/drawingml/2006/main" xmlns:r="http://schemas.openxmlformats.org/officeDocument/2006/relationships" xmlns:p="http://schemas.openxmlformats.org/presentationml/2006/main">
+  <p:cSld>
+    <p:spTree>
+      <p:nvGrpSpPr>
+        <p:cNvPr id="1" name=""/>
+        <p:cNvGrpSpPr/>
+        <p:nvPr/>
+      </p:nvGrpSpPr>
+      <p:grpSpPr>
+        <a:xfrm>
+          <a:off x="0" y="0"/>
+          <a:ext cx="0" cy="0"/>
+          <a:chOff x="0" y="0"/>
+          <a:chExt cx="0" cy="0"/>
+        </a:xfrm>
+      </p:grpSpPr>
+      <p:sp>
+        <p:nvSpPr>
+          <p:cNvPr id="2" name="Title 1">
+            <a:extLst>
+              <a:ext uri="{FF2B5EF4-FFF2-40B4-BE49-F238E27FC236}">
+                <a16:creationId xmlns:a16="http://schemas.microsoft.com/office/drawing/2014/main" id="{09E976A0-1455-475D-B24F-14239702B33E}"/>
+              </a:ext>
+            </a:extLst>
+          </p:cNvPr>
+          <p:cNvSpPr>
+            <a:spLocks noGrp="1"/>
+          </p:cNvSpPr>
+          <p:nvPr>
+            <p:ph type="title"/>
+          </p:nvPr>
+        </p:nvSpPr>
+        <p:spPr/>
+        <p:txBody>
+          <a:bodyPr/>
+          <a:lstStyle/>
+          <a:p>
+            <a:r>
+              <a:rPr lang="en-US" dirty="0"/>
+              <a:t>Six Steps to Success (in Multiple Imputation)</a:t>
+            </a:r>
+          </a:p>
+        </p:txBody>
+      </p:sp>
+      <p:sp>
+        <p:nvSpPr>
+          <p:cNvPr id="3" name="Content Placeholder 2">
+            <a:extLst>
+              <a:ext uri="{FF2B5EF4-FFF2-40B4-BE49-F238E27FC236}">
+                <a16:creationId xmlns:a16="http://schemas.microsoft.com/office/drawing/2014/main" id="{8052895A-7BEF-41C8-8021-CDE62808E1B8}"/>
+              </a:ext>
+            </a:extLst>
+          </p:cNvPr>
+          <p:cNvSpPr>
+            <a:spLocks noGrp="1"/>
+          </p:cNvSpPr>
+          <p:nvPr>
+            <p:ph idx="1"/>
+          </p:nvPr>
+        </p:nvSpPr>
+        <p:spPr/>
+        <p:txBody>
+          <a:bodyPr>
+            <a:normAutofit/>
+          </a:bodyPr>
+          <a:lstStyle/>
+          <a:p>
+            <a:pPr marL="514350" indent="-514350">
+              <a:buFont typeface="+mj-lt"/>
+              <a:buAutoNum type="arabicPeriod"/>
+            </a:pPr>
+            <a:r>
+              <a:rPr lang="en-US" dirty="0"/>
+              <a:t>Perform a “dumb” imputation, like mean imputation, as a placeholder</a:t>
+            </a:r>
+          </a:p>
+          <a:p>
+            <a:pPr marL="514350" indent="-514350">
+              <a:buFont typeface="+mj-lt"/>
+              <a:buAutoNum type="arabicPeriod"/>
+            </a:pPr>
+            <a:r>
+              <a:rPr lang="en-US" dirty="0"/>
+              <a:t>Placeholder imputations for I (the variable we are currently imputing) are set to missing</a:t>
+            </a:r>
+          </a:p>
+          <a:p>
+            <a:pPr marL="514350" indent="-514350">
+              <a:buFont typeface="+mj-lt"/>
+              <a:buAutoNum type="arabicPeriod"/>
+            </a:pPr>
+            <a:r>
+              <a:rPr lang="en-US" dirty="0"/>
+              <a:t>I is regressed on all other variables in the model</a:t>
+            </a:r>
+          </a:p>
+          <a:p>
+            <a:pPr marL="514350" indent="-514350">
+              <a:buFont typeface="+mj-lt"/>
+              <a:buAutoNum type="arabicPeriod"/>
+            </a:pPr>
+            <a:r>
+              <a:rPr lang="en-US" dirty="0"/>
+              <a:t>Predictions from the model (including a random draw of residual error) in 3 entered for cases missing on I</a:t>
+            </a:r>
+          </a:p>
+          <a:p>
+            <a:pPr marL="514350" indent="-514350">
+              <a:buFont typeface="+mj-lt"/>
+              <a:buAutoNum type="arabicPeriod"/>
+            </a:pPr>
+            <a:r>
+              <a:rPr lang="en-US" dirty="0"/>
+              <a:t>Repeat 2-4 for each variable in the imputation model</a:t>
+            </a:r>
+          </a:p>
+          <a:p>
+            <a:pPr marL="514350" indent="-514350">
+              <a:buFont typeface="+mj-lt"/>
+              <a:buAutoNum type="arabicPeriod"/>
+            </a:pPr>
+            <a:r>
+              <a:rPr lang="en-US" dirty="0"/>
+              <a:t>Rinse and repeat many times</a:t>
+            </a:r>
+          </a:p>
+        </p:txBody>
+      </p:sp>
+    </p:spTree>
+    <p:extLst>
+      <p:ext uri="{BB962C8B-B14F-4D97-AF65-F5344CB8AC3E}">
+        <p14:creationId xmlns:p14="http://schemas.microsoft.com/office/powerpoint/2010/main" val="4100217793"/>
+      </p:ext>
+    </p:extLst>
+  </p:cSld>
+  <p:clrMapOvr>
+    <a:masterClrMapping/>
+  </p:clrMapOvr>
+</p:sld>
+</file>
+
+<file path=ppt/slides/slide42.xml><?xml version="1.0" encoding="utf-8"?>
+<p:sld xmlns:a="http://schemas.openxmlformats.org/drawingml/2006/main" xmlns:r="http://schemas.openxmlformats.org/officeDocument/2006/relationships" xmlns:p="http://schemas.openxmlformats.org/presentationml/2006/main">
+  <p:cSld>
+    <p:spTree>
+      <p:nvGrpSpPr>
+        <p:cNvPr id="1" name=""/>
+        <p:cNvGrpSpPr/>
+        <p:nvPr/>
+      </p:nvGrpSpPr>
+      <p:grpSpPr>
+        <a:xfrm>
+          <a:off x="0" y="0"/>
+          <a:ext cx="0" cy="0"/>
+          <a:chOff x="0" y="0"/>
+          <a:chExt cx="0" cy="0"/>
+        </a:xfrm>
+      </p:grpSpPr>
+      <p:sp>
+        <p:nvSpPr>
+          <p:cNvPr id="2" name="Title 1">
+            <a:extLst>
+              <a:ext uri="{FF2B5EF4-FFF2-40B4-BE49-F238E27FC236}">
                 <a16:creationId xmlns:a16="http://schemas.microsoft.com/office/drawing/2014/main" id="{CDD28A6A-6B4A-4938-B348-6BE59D409D5F}"/>
               </a:ext>
             </a:extLst>
@@ -22470,7 +22569,217 @@
 </p:sld>
 </file>
 
-<file path=ppt/slides/slide41.xml><?xml version="1.0" encoding="utf-8"?>
+<file path=ppt/slides/slide43.xml><?xml version="1.0" encoding="utf-8"?>
+<p:sld xmlns:a="http://schemas.openxmlformats.org/drawingml/2006/main" xmlns:r="http://schemas.openxmlformats.org/officeDocument/2006/relationships" xmlns:p="http://schemas.openxmlformats.org/presentationml/2006/main">
+  <p:cSld>
+    <p:spTree>
+      <p:nvGrpSpPr>
+        <p:cNvPr id="1" name=""/>
+        <p:cNvGrpSpPr/>
+        <p:nvPr/>
+      </p:nvGrpSpPr>
+      <p:grpSpPr>
+        <a:xfrm>
+          <a:off x="0" y="0"/>
+          <a:ext cx="0" cy="0"/>
+          <a:chOff x="0" y="0"/>
+          <a:chExt cx="0" cy="0"/>
+        </a:xfrm>
+      </p:grpSpPr>
+      <p:sp>
+        <p:nvSpPr>
+          <p:cNvPr id="2" name="Title 1">
+            <a:extLst>
+              <a:ext uri="{FF2B5EF4-FFF2-40B4-BE49-F238E27FC236}">
+                <a16:creationId xmlns:a16="http://schemas.microsoft.com/office/drawing/2014/main" id="{93D306D0-F3D8-441B-B5BC-6565E2E6022C}"/>
+              </a:ext>
+            </a:extLst>
+          </p:cNvPr>
+          <p:cNvSpPr>
+            <a:spLocks noGrp="1"/>
+          </p:cNvSpPr>
+          <p:nvPr>
+            <p:ph type="title"/>
+          </p:nvPr>
+        </p:nvSpPr>
+        <p:spPr/>
+        <p:txBody>
+          <a:bodyPr/>
+          <a:lstStyle/>
+          <a:p>
+            <a:endParaRPr lang="en-US"/>
+          </a:p>
+        </p:txBody>
+      </p:sp>
+      <p:sp>
+        <p:nvSpPr>
+          <p:cNvPr id="3" name="Content Placeholder 2">
+            <a:extLst>
+              <a:ext uri="{FF2B5EF4-FFF2-40B4-BE49-F238E27FC236}">
+                <a16:creationId xmlns:a16="http://schemas.microsoft.com/office/drawing/2014/main" id="{3BF9D174-7CE1-430D-A327-80B11A39D77F}"/>
+              </a:ext>
+            </a:extLst>
+          </p:cNvPr>
+          <p:cNvSpPr>
+            <a:spLocks noGrp="1"/>
+          </p:cNvSpPr>
+          <p:nvPr>
+            <p:ph idx="1"/>
+          </p:nvPr>
+        </p:nvSpPr>
+        <p:spPr/>
+        <p:txBody>
+          <a:bodyPr/>
+          <a:lstStyle/>
+          <a:p>
+            <a:endParaRPr lang="en-US"/>
+          </a:p>
+        </p:txBody>
+      </p:sp>
+      <p:pic>
+        <p:nvPicPr>
+          <p:cNvPr id="1026" name="Picture 2" descr="Image result for multiple imputation">
+            <a:extLst>
+              <a:ext uri="{FF2B5EF4-FFF2-40B4-BE49-F238E27FC236}">
+                <a16:creationId xmlns:a16="http://schemas.microsoft.com/office/drawing/2014/main" id="{CF65FDCA-371F-4D78-9264-39FFA9BADA5C}"/>
+              </a:ext>
+            </a:extLst>
+          </p:cNvPr>
+          <p:cNvPicPr>
+            <a:picLocks noChangeAspect="1" noChangeArrowheads="1"/>
+          </p:cNvPicPr>
+          <p:nvPr/>
+        </p:nvPicPr>
+        <p:blipFill>
+          <a:blip r:embed="rId2">
+            <a:extLst>
+              <a:ext uri="{28A0092B-C50C-407E-A947-70E740481C1C}">
+                <a14:useLocalDpi xmlns:a14="http://schemas.microsoft.com/office/drawing/2010/main" val="0"/>
+              </a:ext>
+            </a:extLst>
+          </a:blip>
+          <a:srcRect/>
+          <a:stretch>
+            <a:fillRect/>
+          </a:stretch>
+        </p:blipFill>
+        <p:spPr bwMode="auto">
+          <a:xfrm>
+            <a:off x="370981" y="274943"/>
+            <a:ext cx="8402038" cy="6308113"/>
+          </a:xfrm>
+          <a:prstGeom prst="rect">
+            <a:avLst/>
+          </a:prstGeom>
+          <a:noFill/>
+          <a:extLst>
+            <a:ext uri="{909E8E84-426E-40DD-AFC4-6F175D3DCCD1}">
+              <a14:hiddenFill xmlns:a14="http://schemas.microsoft.com/office/drawing/2010/main">
+                <a:solidFill>
+                  <a:srgbClr val="FFFFFF"/>
+                </a:solidFill>
+              </a14:hiddenFill>
+            </a:ext>
+          </a:extLst>
+        </p:spPr>
+      </p:pic>
+    </p:spTree>
+    <p:extLst>
+      <p:ext uri="{BB962C8B-B14F-4D97-AF65-F5344CB8AC3E}">
+        <p14:creationId xmlns:p14="http://schemas.microsoft.com/office/powerpoint/2010/main" val="640577582"/>
+      </p:ext>
+    </p:extLst>
+  </p:cSld>
+  <p:clrMapOvr>
+    <a:masterClrMapping/>
+  </p:clrMapOvr>
+</p:sld>
+</file>
+
+<file path=ppt/slides/slide44.xml><?xml version="1.0" encoding="utf-8"?>
+<p:sld xmlns:a="http://schemas.openxmlformats.org/drawingml/2006/main" xmlns:r="http://schemas.openxmlformats.org/officeDocument/2006/relationships" xmlns:p="http://schemas.openxmlformats.org/presentationml/2006/main">
+  <p:cSld>
+    <p:spTree>
+      <p:nvGrpSpPr>
+        <p:cNvPr id="1" name=""/>
+        <p:cNvGrpSpPr/>
+        <p:nvPr/>
+      </p:nvGrpSpPr>
+      <p:grpSpPr>
+        <a:xfrm>
+          <a:off x="0" y="0"/>
+          <a:ext cx="0" cy="0"/>
+          <a:chOff x="0" y="0"/>
+          <a:chExt cx="0" cy="0"/>
+        </a:xfrm>
+      </p:grpSpPr>
+      <p:sp>
+        <p:nvSpPr>
+          <p:cNvPr id="2" name="Title 1">
+            <a:extLst>
+              <a:ext uri="{FF2B5EF4-FFF2-40B4-BE49-F238E27FC236}">
+                <a16:creationId xmlns:a16="http://schemas.microsoft.com/office/drawing/2014/main" id="{B5BA8CD7-B0A7-4882-8AA3-7C1582525325}"/>
+              </a:ext>
+            </a:extLst>
+          </p:cNvPr>
+          <p:cNvSpPr>
+            <a:spLocks noGrp="1"/>
+          </p:cNvSpPr>
+          <p:nvPr>
+            <p:ph type="title"/>
+          </p:nvPr>
+        </p:nvSpPr>
+        <p:spPr/>
+        <p:txBody>
+          <a:bodyPr/>
+          <a:lstStyle/>
+          <a:p>
+            <a:endParaRPr lang="en-US"/>
+          </a:p>
+        </p:txBody>
+      </p:sp>
+      <p:sp>
+        <p:nvSpPr>
+          <p:cNvPr id="3" name="Content Placeholder 2">
+            <a:extLst>
+              <a:ext uri="{FF2B5EF4-FFF2-40B4-BE49-F238E27FC236}">
+                <a16:creationId xmlns:a16="http://schemas.microsoft.com/office/drawing/2014/main" id="{2824BDF5-1542-4DAA-B2F9-088DC80826B2}"/>
+              </a:ext>
+            </a:extLst>
+          </p:cNvPr>
+          <p:cNvSpPr>
+            <a:spLocks noGrp="1"/>
+          </p:cNvSpPr>
+          <p:nvPr>
+            <p:ph idx="1"/>
+          </p:nvPr>
+        </p:nvSpPr>
+        <p:spPr/>
+        <p:txBody>
+          <a:bodyPr/>
+          <a:lstStyle/>
+          <a:p>
+            <a:r>
+              <a:rPr lang="en-US" dirty="0"/>
+              <a:t>I’ll show an example of the pooling process later</a:t>
+            </a:r>
+          </a:p>
+        </p:txBody>
+      </p:sp>
+    </p:spTree>
+    <p:extLst>
+      <p:ext uri="{BB962C8B-B14F-4D97-AF65-F5344CB8AC3E}">
+        <p14:creationId xmlns:p14="http://schemas.microsoft.com/office/powerpoint/2010/main" val="2338282250"/>
+      </p:ext>
+    </p:extLst>
+  </p:cSld>
+  <p:clrMapOvr>
+    <a:masterClrMapping/>
+  </p:clrMapOvr>
+</p:sld>
+</file>
+
+<file path=ppt/slides/slide45.xml><?xml version="1.0" encoding="utf-8"?>
 <p:sld xmlns:a="http://schemas.openxmlformats.org/drawingml/2006/main" xmlns:r="http://schemas.openxmlformats.org/officeDocument/2006/relationships" xmlns:p="http://schemas.openxmlformats.org/presentationml/2006/main">
   <p:cSld>
     <p:bg>
@@ -22706,7 +23015,7 @@
 </p:sld>
 </file>
 
-<file path=ppt/slides/slide42.xml><?xml version="1.0" encoding="utf-8"?>
+<file path=ppt/slides/slide46.xml><?xml version="1.0" encoding="utf-8"?>
 <p:sld xmlns:a="http://schemas.openxmlformats.org/drawingml/2006/main" xmlns:r="http://schemas.openxmlformats.org/officeDocument/2006/relationships" xmlns:p="http://schemas.openxmlformats.org/presentationml/2006/main">
   <p:cSld>
     <p:spTree>
@@ -22808,7 +23117,7 @@
           <a:p>
             <a:r>
               <a:rPr lang="en-US" dirty="0"/>
-              <a:t>Given a set of parameters, your data have a joint probability of all being what they are!</a:t>
+              <a:t>Given a set of parameters, your data have a calculable joint probability of all being what they are!</a:t>
             </a:r>
           </a:p>
           <a:p>
@@ -22833,7 +23142,7 @@
 </p:sld>
 </file>
 
-<file path=ppt/slides/slide43.xml><?xml version="1.0" encoding="utf-8"?>
+<file path=ppt/slides/slide47.xml><?xml version="1.0" encoding="utf-8"?>
 <p:sld xmlns:a="http://schemas.openxmlformats.org/drawingml/2006/main" xmlns:r="http://schemas.openxmlformats.org/officeDocument/2006/relationships" xmlns:p="http://schemas.openxmlformats.org/presentationml/2006/main">
   <p:cSld>
     <p:spTree>
@@ -22959,7 +23268,7 @@
 </p:sld>
 </file>
 
-<file path=ppt/slides/slide44.xml><?xml version="1.0" encoding="utf-8"?>
+<file path=ppt/slides/slide48.xml><?xml version="1.0" encoding="utf-8"?>
 <p:sld xmlns:a="http://schemas.openxmlformats.org/drawingml/2006/main" xmlns:r="http://schemas.openxmlformats.org/officeDocument/2006/relationships" xmlns:p="http://schemas.openxmlformats.org/presentationml/2006/main">
   <p:cSld>
     <p:spTree>
@@ -23138,6 +23447,52 @@
           </a:solidFill>
         </p:spPr>
       </p:pic>
+      <p:sp>
+        <p:nvSpPr>
+          <p:cNvPr id="3" name="Oval 2">
+            <a:extLst>
+              <a:ext uri="{FF2B5EF4-FFF2-40B4-BE49-F238E27FC236}">
+                <a16:creationId xmlns:a16="http://schemas.microsoft.com/office/drawing/2014/main" id="{C147264E-A650-4ED7-9226-63D3D3E68584}"/>
+              </a:ext>
+            </a:extLst>
+          </p:cNvPr>
+          <p:cNvSpPr/>
+          <p:nvPr/>
+        </p:nvSpPr>
+        <p:spPr>
+          <a:xfrm>
+            <a:off x="6022731" y="3094892"/>
+            <a:ext cx="158261" cy="181708"/>
+          </a:xfrm>
+          <a:prstGeom prst="ellipse">
+            <a:avLst/>
+          </a:prstGeom>
+        </p:spPr>
+        <p:style>
+          <a:lnRef idx="2">
+            <a:schemeClr val="accent1">
+              <a:shade val="50000"/>
+            </a:schemeClr>
+          </a:lnRef>
+          <a:fillRef idx="1">
+            <a:schemeClr val="accent1"/>
+          </a:fillRef>
+          <a:effectRef idx="0">
+            <a:schemeClr val="accent1"/>
+          </a:effectRef>
+          <a:fontRef idx="minor">
+            <a:schemeClr val="lt1"/>
+          </a:fontRef>
+        </p:style>
+        <p:txBody>
+          <a:bodyPr rtlCol="0" anchor="ctr"/>
+          <a:lstStyle/>
+          <a:p>
+            <a:pPr algn="ctr"/>
+            <a:endParaRPr lang="en-US"/>
+          </a:p>
+        </p:txBody>
+      </p:sp>
     </p:spTree>
     <p:extLst>
       <p:ext uri="{BB962C8B-B14F-4D97-AF65-F5344CB8AC3E}">
@@ -23151,7 +23506,1286 @@
 </p:sld>
 </file>
 
-<file path=ppt/slides/slide45.xml><?xml version="1.0" encoding="utf-8"?>
+<file path=ppt/slides/slide49.xml><?xml version="1.0" encoding="utf-8"?>
+<p:sld xmlns:a="http://schemas.openxmlformats.org/drawingml/2006/main" xmlns:r="http://schemas.openxmlformats.org/officeDocument/2006/relationships" xmlns:p="http://schemas.openxmlformats.org/presentationml/2006/main">
+  <p:cSld>
+    <p:spTree>
+      <p:nvGrpSpPr>
+        <p:cNvPr id="1" name=""/>
+        <p:cNvGrpSpPr/>
+        <p:nvPr/>
+      </p:nvGrpSpPr>
+      <p:grpSpPr>
+        <a:xfrm>
+          <a:off x="0" y="0"/>
+          <a:ext cx="0" cy="0"/>
+          <a:chOff x="0" y="0"/>
+          <a:chExt cx="0" cy="0"/>
+        </a:xfrm>
+      </p:grpSpPr>
+      <p:sp>
+        <p:nvSpPr>
+          <p:cNvPr id="2" name="Title 1">
+            <a:extLst>
+              <a:ext uri="{FF2B5EF4-FFF2-40B4-BE49-F238E27FC236}">
+                <a16:creationId xmlns:a16="http://schemas.microsoft.com/office/drawing/2014/main" id="{083AD4D1-4916-45CE-82F2-FEE335B72BD3}"/>
+              </a:ext>
+            </a:extLst>
+          </p:cNvPr>
+          <p:cNvSpPr>
+            <a:spLocks noGrp="1"/>
+          </p:cNvSpPr>
+          <p:nvPr>
+            <p:ph type="title"/>
+          </p:nvPr>
+        </p:nvSpPr>
+        <p:spPr/>
+        <p:txBody>
+          <a:bodyPr>
+            <a:normAutofit fontScale="90000"/>
+          </a:bodyPr>
+          <a:lstStyle/>
+          <a:p>
+            <a:r>
+              <a:rPr lang="en-US" dirty="0"/>
+              <a:t>So, we select a starting point and jitter around our parameters until we stop increasing our log-likelihood.</a:t>
+            </a:r>
+            <a:br>
+              <a:rPr lang="en-US" dirty="0"/>
+            </a:br>
+            <a:endParaRPr lang="en-US" dirty="0"/>
+          </a:p>
+        </p:txBody>
+      </p:sp>
+      <p:sp>
+        <p:nvSpPr>
+          <p:cNvPr id="4" name="AutoShape 2" descr="Image result for normal log likelihood">
+            <a:extLst>
+              <a:ext uri="{FF2B5EF4-FFF2-40B4-BE49-F238E27FC236}">
+                <a16:creationId xmlns:a16="http://schemas.microsoft.com/office/drawing/2014/main" id="{D1C48564-8F7D-498F-B666-B95061E34B48}"/>
+              </a:ext>
+            </a:extLst>
+          </p:cNvPr>
+          <p:cNvSpPr>
+            <a:spLocks noChangeAspect="1" noChangeArrowheads="1"/>
+          </p:cNvSpPr>
+          <p:nvPr/>
+        </p:nvSpPr>
+        <p:spPr bwMode="auto">
+          <a:xfrm>
+            <a:off x="4419600" y="3276600"/>
+            <a:ext cx="304800" cy="304800"/>
+          </a:xfrm>
+          <a:prstGeom prst="rect">
+            <a:avLst/>
+          </a:prstGeom>
+          <a:noFill/>
+          <a:extLst>
+            <a:ext uri="{909E8E84-426E-40DD-AFC4-6F175D3DCCD1}">
+              <a14:hiddenFill xmlns:a14="http://schemas.microsoft.com/office/drawing/2010/main">
+                <a:solidFill>
+                  <a:srgbClr val="FFFFFF"/>
+                </a:solidFill>
+              </a14:hiddenFill>
+            </a:ext>
+          </a:extLst>
+        </p:spPr>
+        <p:txBody>
+          <a:bodyPr vert="horz" wrap="square" lIns="91440" tIns="45720" rIns="91440" bIns="45720" numCol="1" anchor="t" anchorCtr="0" compatLnSpc="1">
+            <a:prstTxWarp prst="textNoShape">
+              <a:avLst/>
+            </a:prstTxWarp>
+          </a:bodyPr>
+          <a:lstStyle/>
+          <a:p>
+            <a:endParaRPr lang="en-US"/>
+          </a:p>
+        </p:txBody>
+      </p:sp>
+      <p:sp>
+        <p:nvSpPr>
+          <p:cNvPr id="8" name="AutoShape 10" descr="Image result for normal log likelihood">
+            <a:extLst>
+              <a:ext uri="{FF2B5EF4-FFF2-40B4-BE49-F238E27FC236}">
+                <a16:creationId xmlns:a16="http://schemas.microsoft.com/office/drawing/2014/main" id="{AA66AD20-A99D-4A91-BA44-CE753E686F3B}"/>
+              </a:ext>
+            </a:extLst>
+          </p:cNvPr>
+          <p:cNvSpPr>
+            <a:spLocks noGrp="1" noChangeAspect="1" noChangeArrowheads="1"/>
+          </p:cNvSpPr>
+          <p:nvPr>
+            <p:ph idx="1"/>
+          </p:nvPr>
+        </p:nvSpPr>
+        <p:spPr bwMode="auto">
+          <a:prstGeom prst="rect">
+            <a:avLst/>
+          </a:prstGeom>
+          <a:noFill/>
+          <a:extLst>
+            <a:ext uri="{909E8E84-426E-40DD-AFC4-6F175D3DCCD1}">
+              <a14:hiddenFill xmlns:a14="http://schemas.microsoft.com/office/drawing/2010/main">
+                <a:solidFill>
+                  <a:srgbClr val="FFFFFF"/>
+                </a:solidFill>
+              </a14:hiddenFill>
+            </a:ext>
+          </a:extLst>
+        </p:spPr>
+        <p:txBody>
+          <a:bodyPr vert="horz" wrap="square" lIns="91440" tIns="45720" rIns="91440" bIns="45720" numCol="1" anchor="t" anchorCtr="0" compatLnSpc="1">
+            <a:prstTxWarp prst="textNoShape">
+              <a:avLst/>
+            </a:prstTxWarp>
+          </a:bodyPr>
+          <a:lstStyle/>
+          <a:p>
+            <a:endParaRPr lang="en-US" dirty="0"/>
+          </a:p>
+        </p:txBody>
+      </p:sp>
+      <p:pic>
+        <p:nvPicPr>
+          <p:cNvPr id="2070" name="Picture 22" descr="https://onlinecourses.science.psu.edu/stat504/sites/onlinecourses.science.psu.edu.stat504/files/lec1fig5/index.gif">
+            <a:extLst>
+              <a:ext uri="{FF2B5EF4-FFF2-40B4-BE49-F238E27FC236}">
+                <a16:creationId xmlns:a16="http://schemas.microsoft.com/office/drawing/2014/main" id="{DD73D951-602E-446E-82E3-424E883F0C8B}"/>
+              </a:ext>
+            </a:extLst>
+          </p:cNvPr>
+          <p:cNvPicPr>
+            <a:picLocks noChangeAspect="1" noChangeArrowheads="1"/>
+          </p:cNvPicPr>
+          <p:nvPr/>
+        </p:nvPicPr>
+        <p:blipFill>
+          <a:blip r:embed="rId2">
+            <a:extLst>
+              <a:ext uri="{28A0092B-C50C-407E-A947-70E740481C1C}">
+                <a14:useLocalDpi xmlns:a14="http://schemas.microsoft.com/office/drawing/2010/main" val="0"/>
+              </a:ext>
+            </a:extLst>
+          </a:blip>
+          <a:srcRect/>
+          <a:stretch>
+            <a:fillRect/>
+          </a:stretch>
+        </p:blipFill>
+        <p:spPr bwMode="auto">
+          <a:xfrm>
+            <a:off x="2234860" y="1569534"/>
+            <a:ext cx="4800600" cy="4800600"/>
+          </a:xfrm>
+          <a:prstGeom prst="rect">
+            <a:avLst/>
+          </a:prstGeom>
+          <a:solidFill>
+            <a:schemeClr val="tx1"/>
+          </a:solidFill>
+        </p:spPr>
+      </p:pic>
+      <p:sp>
+        <p:nvSpPr>
+          <p:cNvPr id="6" name="Oval 5">
+            <a:extLst>
+              <a:ext uri="{FF2B5EF4-FFF2-40B4-BE49-F238E27FC236}">
+                <a16:creationId xmlns:a16="http://schemas.microsoft.com/office/drawing/2014/main" id="{944DEB38-8E1A-446E-9FEA-F19490702F00}"/>
+              </a:ext>
+            </a:extLst>
+          </p:cNvPr>
+          <p:cNvSpPr/>
+          <p:nvPr/>
+        </p:nvSpPr>
+        <p:spPr>
+          <a:xfrm>
+            <a:off x="5530361" y="2549769"/>
+            <a:ext cx="158261" cy="181708"/>
+          </a:xfrm>
+          <a:prstGeom prst="ellipse">
+            <a:avLst/>
+          </a:prstGeom>
+        </p:spPr>
+        <p:style>
+          <a:lnRef idx="2">
+            <a:schemeClr val="accent1">
+              <a:shade val="50000"/>
+            </a:schemeClr>
+          </a:lnRef>
+          <a:fillRef idx="1">
+            <a:schemeClr val="accent1"/>
+          </a:fillRef>
+          <a:effectRef idx="0">
+            <a:schemeClr val="accent1"/>
+          </a:effectRef>
+          <a:fontRef idx="minor">
+            <a:schemeClr val="lt1"/>
+          </a:fontRef>
+        </p:style>
+        <p:txBody>
+          <a:bodyPr rtlCol="0" anchor="ctr"/>
+          <a:lstStyle/>
+          <a:p>
+            <a:pPr algn="ctr"/>
+            <a:endParaRPr lang="en-US"/>
+          </a:p>
+        </p:txBody>
+      </p:sp>
+    </p:spTree>
+    <p:extLst>
+      <p:ext uri="{BB962C8B-B14F-4D97-AF65-F5344CB8AC3E}">
+        <p14:creationId xmlns:p14="http://schemas.microsoft.com/office/powerpoint/2010/main" val="849123811"/>
+      </p:ext>
+    </p:extLst>
+  </p:cSld>
+  <p:clrMapOvr>
+    <a:masterClrMapping/>
+  </p:clrMapOvr>
+</p:sld>
+</file>
+
+<file path=ppt/slides/slide5.xml><?xml version="1.0" encoding="utf-8"?>
+<p:sld xmlns:a="http://schemas.openxmlformats.org/drawingml/2006/main" xmlns:r="http://schemas.openxmlformats.org/officeDocument/2006/relationships" xmlns:p="http://schemas.openxmlformats.org/presentationml/2006/main">
+  <p:cSld>
+    <p:spTree>
+      <p:nvGrpSpPr>
+        <p:cNvPr id="1" name=""/>
+        <p:cNvGrpSpPr/>
+        <p:nvPr/>
+      </p:nvGrpSpPr>
+      <p:grpSpPr>
+        <a:xfrm>
+          <a:off x="0" y="0"/>
+          <a:ext cx="0" cy="0"/>
+          <a:chOff x="0" y="0"/>
+          <a:chExt cx="0" cy="0"/>
+        </a:xfrm>
+      </p:grpSpPr>
+      <p:sp>
+        <p:nvSpPr>
+          <p:cNvPr id="2" name="Title 1">
+            <a:extLst>
+              <a:ext uri="{FF2B5EF4-FFF2-40B4-BE49-F238E27FC236}">
+                <a16:creationId xmlns:a16="http://schemas.microsoft.com/office/drawing/2014/main" id="{765E85D1-A95A-4FD4-BA8B-5D1822881880}"/>
+              </a:ext>
+            </a:extLst>
+          </p:cNvPr>
+          <p:cNvSpPr>
+            <a:spLocks noGrp="1"/>
+          </p:cNvSpPr>
+          <p:nvPr>
+            <p:ph type="title"/>
+          </p:nvPr>
+        </p:nvSpPr>
+        <p:spPr/>
+        <p:txBody>
+          <a:bodyPr/>
+          <a:lstStyle/>
+          <a:p>
+            <a:r>
+              <a:rPr lang="en-US" dirty="0"/>
+              <a:t>Deleting cases is not only inefficient but can lead to bias</a:t>
+            </a:r>
+          </a:p>
+        </p:txBody>
+      </p:sp>
+      <p:sp>
+        <p:nvSpPr>
+          <p:cNvPr id="3" name="Content Placeholder 2">
+            <a:extLst>
+              <a:ext uri="{FF2B5EF4-FFF2-40B4-BE49-F238E27FC236}">
+                <a16:creationId xmlns:a16="http://schemas.microsoft.com/office/drawing/2014/main" id="{9367939A-2992-4708-B0E0-BB75D30F3E49}"/>
+              </a:ext>
+            </a:extLst>
+          </p:cNvPr>
+          <p:cNvSpPr>
+            <a:spLocks noGrp="1"/>
+          </p:cNvSpPr>
+          <p:nvPr>
+            <p:ph idx="1"/>
+          </p:nvPr>
+        </p:nvSpPr>
+        <p:spPr/>
+        <p:txBody>
+          <a:bodyPr/>
+          <a:lstStyle/>
+          <a:p>
+            <a:pPr marL="0" indent="0" algn="ctr">
+              <a:buNone/>
+            </a:pPr>
+            <a:r>
+              <a:rPr lang="en-US" dirty="0"/>
+              <a:t>MLE slides 2-6</a:t>
+            </a:r>
+          </a:p>
+        </p:txBody>
+      </p:sp>
+    </p:spTree>
+    <p:extLst>
+      <p:ext uri="{BB962C8B-B14F-4D97-AF65-F5344CB8AC3E}">
+        <p14:creationId xmlns:p14="http://schemas.microsoft.com/office/powerpoint/2010/main" val="3553683406"/>
+      </p:ext>
+    </p:extLst>
+  </p:cSld>
+  <p:clrMapOvr>
+    <a:masterClrMapping/>
+  </p:clrMapOvr>
+</p:sld>
+</file>
+
+<file path=ppt/slides/slide50.xml><?xml version="1.0" encoding="utf-8"?>
+<p:sld xmlns:a="http://schemas.openxmlformats.org/drawingml/2006/main" xmlns:r="http://schemas.openxmlformats.org/officeDocument/2006/relationships" xmlns:p="http://schemas.openxmlformats.org/presentationml/2006/main">
+  <p:cSld>
+    <p:spTree>
+      <p:nvGrpSpPr>
+        <p:cNvPr id="1" name=""/>
+        <p:cNvGrpSpPr/>
+        <p:nvPr/>
+      </p:nvGrpSpPr>
+      <p:grpSpPr>
+        <a:xfrm>
+          <a:off x="0" y="0"/>
+          <a:ext cx="0" cy="0"/>
+          <a:chOff x="0" y="0"/>
+          <a:chExt cx="0" cy="0"/>
+        </a:xfrm>
+      </p:grpSpPr>
+      <p:sp>
+        <p:nvSpPr>
+          <p:cNvPr id="2" name="Title 1">
+            <a:extLst>
+              <a:ext uri="{FF2B5EF4-FFF2-40B4-BE49-F238E27FC236}">
+                <a16:creationId xmlns:a16="http://schemas.microsoft.com/office/drawing/2014/main" id="{083AD4D1-4916-45CE-82F2-FEE335B72BD3}"/>
+              </a:ext>
+            </a:extLst>
+          </p:cNvPr>
+          <p:cNvSpPr>
+            <a:spLocks noGrp="1"/>
+          </p:cNvSpPr>
+          <p:nvPr>
+            <p:ph type="title"/>
+          </p:nvPr>
+        </p:nvSpPr>
+        <p:spPr/>
+        <p:txBody>
+          <a:bodyPr>
+            <a:normAutofit fontScale="90000"/>
+          </a:bodyPr>
+          <a:lstStyle/>
+          <a:p>
+            <a:r>
+              <a:rPr lang="en-US" dirty="0"/>
+              <a:t>So, we select a starting point and jitter around our parameters until we stop increasing our log-likelihood.</a:t>
+            </a:r>
+            <a:br>
+              <a:rPr lang="en-US" dirty="0"/>
+            </a:br>
+            <a:endParaRPr lang="en-US" dirty="0"/>
+          </a:p>
+        </p:txBody>
+      </p:sp>
+      <p:sp>
+        <p:nvSpPr>
+          <p:cNvPr id="4" name="AutoShape 2" descr="Image result for normal log likelihood">
+            <a:extLst>
+              <a:ext uri="{FF2B5EF4-FFF2-40B4-BE49-F238E27FC236}">
+                <a16:creationId xmlns:a16="http://schemas.microsoft.com/office/drawing/2014/main" id="{D1C48564-8F7D-498F-B666-B95061E34B48}"/>
+              </a:ext>
+            </a:extLst>
+          </p:cNvPr>
+          <p:cNvSpPr>
+            <a:spLocks noChangeAspect="1" noChangeArrowheads="1"/>
+          </p:cNvSpPr>
+          <p:nvPr/>
+        </p:nvSpPr>
+        <p:spPr bwMode="auto">
+          <a:xfrm>
+            <a:off x="4419600" y="3276600"/>
+            <a:ext cx="304800" cy="304800"/>
+          </a:xfrm>
+          <a:prstGeom prst="rect">
+            <a:avLst/>
+          </a:prstGeom>
+          <a:noFill/>
+          <a:extLst>
+            <a:ext uri="{909E8E84-426E-40DD-AFC4-6F175D3DCCD1}">
+              <a14:hiddenFill xmlns:a14="http://schemas.microsoft.com/office/drawing/2010/main">
+                <a:solidFill>
+                  <a:srgbClr val="FFFFFF"/>
+                </a:solidFill>
+              </a14:hiddenFill>
+            </a:ext>
+          </a:extLst>
+        </p:spPr>
+        <p:txBody>
+          <a:bodyPr vert="horz" wrap="square" lIns="91440" tIns="45720" rIns="91440" bIns="45720" numCol="1" anchor="t" anchorCtr="0" compatLnSpc="1">
+            <a:prstTxWarp prst="textNoShape">
+              <a:avLst/>
+            </a:prstTxWarp>
+          </a:bodyPr>
+          <a:lstStyle/>
+          <a:p>
+            <a:endParaRPr lang="en-US"/>
+          </a:p>
+        </p:txBody>
+      </p:sp>
+      <p:sp>
+        <p:nvSpPr>
+          <p:cNvPr id="8" name="AutoShape 10" descr="Image result for normal log likelihood">
+            <a:extLst>
+              <a:ext uri="{FF2B5EF4-FFF2-40B4-BE49-F238E27FC236}">
+                <a16:creationId xmlns:a16="http://schemas.microsoft.com/office/drawing/2014/main" id="{AA66AD20-A99D-4A91-BA44-CE753E686F3B}"/>
+              </a:ext>
+            </a:extLst>
+          </p:cNvPr>
+          <p:cNvSpPr>
+            <a:spLocks noGrp="1" noChangeAspect="1" noChangeArrowheads="1"/>
+          </p:cNvSpPr>
+          <p:nvPr>
+            <p:ph idx="1"/>
+          </p:nvPr>
+        </p:nvSpPr>
+        <p:spPr bwMode="auto">
+          <a:prstGeom prst="rect">
+            <a:avLst/>
+          </a:prstGeom>
+          <a:noFill/>
+          <a:extLst>
+            <a:ext uri="{909E8E84-426E-40DD-AFC4-6F175D3DCCD1}">
+              <a14:hiddenFill xmlns:a14="http://schemas.microsoft.com/office/drawing/2010/main">
+                <a:solidFill>
+                  <a:srgbClr val="FFFFFF"/>
+                </a:solidFill>
+              </a14:hiddenFill>
+            </a:ext>
+          </a:extLst>
+        </p:spPr>
+        <p:txBody>
+          <a:bodyPr vert="horz" wrap="square" lIns="91440" tIns="45720" rIns="91440" bIns="45720" numCol="1" anchor="t" anchorCtr="0" compatLnSpc="1">
+            <a:prstTxWarp prst="textNoShape">
+              <a:avLst/>
+            </a:prstTxWarp>
+          </a:bodyPr>
+          <a:lstStyle/>
+          <a:p>
+            <a:endParaRPr lang="en-US" dirty="0"/>
+          </a:p>
+        </p:txBody>
+      </p:sp>
+      <p:pic>
+        <p:nvPicPr>
+          <p:cNvPr id="2070" name="Picture 22" descr="https://onlinecourses.science.psu.edu/stat504/sites/onlinecourses.science.psu.edu.stat504/files/lec1fig5/index.gif">
+            <a:extLst>
+              <a:ext uri="{FF2B5EF4-FFF2-40B4-BE49-F238E27FC236}">
+                <a16:creationId xmlns:a16="http://schemas.microsoft.com/office/drawing/2014/main" id="{DD73D951-602E-446E-82E3-424E883F0C8B}"/>
+              </a:ext>
+            </a:extLst>
+          </p:cNvPr>
+          <p:cNvPicPr>
+            <a:picLocks noChangeAspect="1" noChangeArrowheads="1"/>
+          </p:cNvPicPr>
+          <p:nvPr/>
+        </p:nvPicPr>
+        <p:blipFill>
+          <a:blip r:embed="rId2">
+            <a:extLst>
+              <a:ext uri="{28A0092B-C50C-407E-A947-70E740481C1C}">
+                <a14:useLocalDpi xmlns:a14="http://schemas.microsoft.com/office/drawing/2010/main" val="0"/>
+              </a:ext>
+            </a:extLst>
+          </a:blip>
+          <a:srcRect/>
+          <a:stretch>
+            <a:fillRect/>
+          </a:stretch>
+        </p:blipFill>
+        <p:spPr bwMode="auto">
+          <a:xfrm>
+            <a:off x="2234860" y="1569534"/>
+            <a:ext cx="4800600" cy="4800600"/>
+          </a:xfrm>
+          <a:prstGeom prst="rect">
+            <a:avLst/>
+          </a:prstGeom>
+          <a:solidFill>
+            <a:schemeClr val="tx1"/>
+          </a:solidFill>
+        </p:spPr>
+      </p:pic>
+      <p:sp>
+        <p:nvSpPr>
+          <p:cNvPr id="7" name="Oval 6">
+            <a:extLst>
+              <a:ext uri="{FF2B5EF4-FFF2-40B4-BE49-F238E27FC236}">
+                <a16:creationId xmlns:a16="http://schemas.microsoft.com/office/drawing/2014/main" id="{6F311D9F-CD03-446B-BE1E-8774CE4FD5F2}"/>
+              </a:ext>
+            </a:extLst>
+          </p:cNvPr>
+          <p:cNvSpPr/>
+          <p:nvPr/>
+        </p:nvSpPr>
+        <p:spPr>
+          <a:xfrm>
+            <a:off x="4724400" y="2215051"/>
+            <a:ext cx="158261" cy="181708"/>
+          </a:xfrm>
+          <a:prstGeom prst="ellipse">
+            <a:avLst/>
+          </a:prstGeom>
+        </p:spPr>
+        <p:style>
+          <a:lnRef idx="2">
+            <a:schemeClr val="accent1">
+              <a:shade val="50000"/>
+            </a:schemeClr>
+          </a:lnRef>
+          <a:fillRef idx="1">
+            <a:schemeClr val="accent1"/>
+          </a:fillRef>
+          <a:effectRef idx="0">
+            <a:schemeClr val="accent1"/>
+          </a:effectRef>
+          <a:fontRef idx="minor">
+            <a:schemeClr val="lt1"/>
+          </a:fontRef>
+        </p:style>
+        <p:txBody>
+          <a:bodyPr rtlCol="0" anchor="ctr"/>
+          <a:lstStyle/>
+          <a:p>
+            <a:pPr algn="ctr"/>
+            <a:endParaRPr lang="en-US"/>
+          </a:p>
+        </p:txBody>
+      </p:sp>
+    </p:spTree>
+    <p:extLst>
+      <p:ext uri="{BB962C8B-B14F-4D97-AF65-F5344CB8AC3E}">
+        <p14:creationId xmlns:p14="http://schemas.microsoft.com/office/powerpoint/2010/main" val="254966282"/>
+      </p:ext>
+    </p:extLst>
+  </p:cSld>
+  <p:clrMapOvr>
+    <a:masterClrMapping/>
+  </p:clrMapOvr>
+</p:sld>
+</file>
+
+<file path=ppt/slides/slide51.xml><?xml version="1.0" encoding="utf-8"?>
+<p:sld xmlns:a="http://schemas.openxmlformats.org/drawingml/2006/main" xmlns:r="http://schemas.openxmlformats.org/officeDocument/2006/relationships" xmlns:p="http://schemas.openxmlformats.org/presentationml/2006/main">
+  <p:cSld>
+    <p:spTree>
+      <p:nvGrpSpPr>
+        <p:cNvPr id="1" name=""/>
+        <p:cNvGrpSpPr/>
+        <p:nvPr/>
+      </p:nvGrpSpPr>
+      <p:grpSpPr>
+        <a:xfrm>
+          <a:off x="0" y="0"/>
+          <a:ext cx="0" cy="0"/>
+          <a:chOff x="0" y="0"/>
+          <a:chExt cx="0" cy="0"/>
+        </a:xfrm>
+      </p:grpSpPr>
+      <p:sp>
+        <p:nvSpPr>
+          <p:cNvPr id="2" name="Title 1">
+            <a:extLst>
+              <a:ext uri="{FF2B5EF4-FFF2-40B4-BE49-F238E27FC236}">
+                <a16:creationId xmlns:a16="http://schemas.microsoft.com/office/drawing/2014/main" id="{083AD4D1-4916-45CE-82F2-FEE335B72BD3}"/>
+              </a:ext>
+            </a:extLst>
+          </p:cNvPr>
+          <p:cNvSpPr>
+            <a:spLocks noGrp="1"/>
+          </p:cNvSpPr>
+          <p:nvPr>
+            <p:ph type="title"/>
+          </p:nvPr>
+        </p:nvSpPr>
+        <p:spPr/>
+        <p:txBody>
+          <a:bodyPr>
+            <a:normAutofit fontScale="90000"/>
+          </a:bodyPr>
+          <a:lstStyle/>
+          <a:p>
+            <a:r>
+              <a:rPr lang="en-US" dirty="0"/>
+              <a:t>So, we select a starting point and jitter around our parameters until we stop increasing our log-likelihood.</a:t>
+            </a:r>
+            <a:br>
+              <a:rPr lang="en-US" dirty="0"/>
+            </a:br>
+            <a:endParaRPr lang="en-US" dirty="0"/>
+          </a:p>
+        </p:txBody>
+      </p:sp>
+      <p:sp>
+        <p:nvSpPr>
+          <p:cNvPr id="4" name="AutoShape 2" descr="Image result for normal log likelihood">
+            <a:extLst>
+              <a:ext uri="{FF2B5EF4-FFF2-40B4-BE49-F238E27FC236}">
+                <a16:creationId xmlns:a16="http://schemas.microsoft.com/office/drawing/2014/main" id="{D1C48564-8F7D-498F-B666-B95061E34B48}"/>
+              </a:ext>
+            </a:extLst>
+          </p:cNvPr>
+          <p:cNvSpPr>
+            <a:spLocks noChangeAspect="1" noChangeArrowheads="1"/>
+          </p:cNvSpPr>
+          <p:nvPr/>
+        </p:nvSpPr>
+        <p:spPr bwMode="auto">
+          <a:xfrm>
+            <a:off x="4419600" y="3276600"/>
+            <a:ext cx="304800" cy="304800"/>
+          </a:xfrm>
+          <a:prstGeom prst="rect">
+            <a:avLst/>
+          </a:prstGeom>
+          <a:noFill/>
+          <a:extLst>
+            <a:ext uri="{909E8E84-426E-40DD-AFC4-6F175D3DCCD1}">
+              <a14:hiddenFill xmlns:a14="http://schemas.microsoft.com/office/drawing/2010/main">
+                <a:solidFill>
+                  <a:srgbClr val="FFFFFF"/>
+                </a:solidFill>
+              </a14:hiddenFill>
+            </a:ext>
+          </a:extLst>
+        </p:spPr>
+        <p:txBody>
+          <a:bodyPr vert="horz" wrap="square" lIns="91440" tIns="45720" rIns="91440" bIns="45720" numCol="1" anchor="t" anchorCtr="0" compatLnSpc="1">
+            <a:prstTxWarp prst="textNoShape">
+              <a:avLst/>
+            </a:prstTxWarp>
+          </a:bodyPr>
+          <a:lstStyle/>
+          <a:p>
+            <a:endParaRPr lang="en-US"/>
+          </a:p>
+        </p:txBody>
+      </p:sp>
+      <p:sp>
+        <p:nvSpPr>
+          <p:cNvPr id="8" name="AutoShape 10" descr="Image result for normal log likelihood">
+            <a:extLst>
+              <a:ext uri="{FF2B5EF4-FFF2-40B4-BE49-F238E27FC236}">
+                <a16:creationId xmlns:a16="http://schemas.microsoft.com/office/drawing/2014/main" id="{AA66AD20-A99D-4A91-BA44-CE753E686F3B}"/>
+              </a:ext>
+            </a:extLst>
+          </p:cNvPr>
+          <p:cNvSpPr>
+            <a:spLocks noGrp="1" noChangeAspect="1" noChangeArrowheads="1"/>
+          </p:cNvSpPr>
+          <p:nvPr>
+            <p:ph idx="1"/>
+          </p:nvPr>
+        </p:nvSpPr>
+        <p:spPr bwMode="auto">
+          <a:prstGeom prst="rect">
+            <a:avLst/>
+          </a:prstGeom>
+          <a:noFill/>
+          <a:extLst>
+            <a:ext uri="{909E8E84-426E-40DD-AFC4-6F175D3DCCD1}">
+              <a14:hiddenFill xmlns:a14="http://schemas.microsoft.com/office/drawing/2010/main">
+                <a:solidFill>
+                  <a:srgbClr val="FFFFFF"/>
+                </a:solidFill>
+              </a14:hiddenFill>
+            </a:ext>
+          </a:extLst>
+        </p:spPr>
+        <p:txBody>
+          <a:bodyPr vert="horz" wrap="square" lIns="91440" tIns="45720" rIns="91440" bIns="45720" numCol="1" anchor="t" anchorCtr="0" compatLnSpc="1">
+            <a:prstTxWarp prst="textNoShape">
+              <a:avLst/>
+            </a:prstTxWarp>
+          </a:bodyPr>
+          <a:lstStyle/>
+          <a:p>
+            <a:endParaRPr lang="en-US" dirty="0"/>
+          </a:p>
+        </p:txBody>
+      </p:sp>
+      <p:pic>
+        <p:nvPicPr>
+          <p:cNvPr id="2070" name="Picture 22" descr="https://onlinecourses.science.psu.edu/stat504/sites/onlinecourses.science.psu.edu.stat504/files/lec1fig5/index.gif">
+            <a:extLst>
+              <a:ext uri="{FF2B5EF4-FFF2-40B4-BE49-F238E27FC236}">
+                <a16:creationId xmlns:a16="http://schemas.microsoft.com/office/drawing/2014/main" id="{DD73D951-602E-446E-82E3-424E883F0C8B}"/>
+              </a:ext>
+            </a:extLst>
+          </p:cNvPr>
+          <p:cNvPicPr>
+            <a:picLocks noChangeAspect="1" noChangeArrowheads="1"/>
+          </p:cNvPicPr>
+          <p:nvPr/>
+        </p:nvPicPr>
+        <p:blipFill>
+          <a:blip r:embed="rId2">
+            <a:extLst>
+              <a:ext uri="{28A0092B-C50C-407E-A947-70E740481C1C}">
+                <a14:useLocalDpi xmlns:a14="http://schemas.microsoft.com/office/drawing/2010/main" val="0"/>
+              </a:ext>
+            </a:extLst>
+          </a:blip>
+          <a:srcRect/>
+          <a:stretch>
+            <a:fillRect/>
+          </a:stretch>
+        </p:blipFill>
+        <p:spPr bwMode="auto">
+          <a:xfrm>
+            <a:off x="2234860" y="1569534"/>
+            <a:ext cx="4800600" cy="4800600"/>
+          </a:xfrm>
+          <a:prstGeom prst="rect">
+            <a:avLst/>
+          </a:prstGeom>
+          <a:solidFill>
+            <a:schemeClr val="tx1"/>
+          </a:solidFill>
+        </p:spPr>
+      </p:pic>
+      <p:sp>
+        <p:nvSpPr>
+          <p:cNvPr id="6" name="Oval 5">
+            <a:extLst>
+              <a:ext uri="{FF2B5EF4-FFF2-40B4-BE49-F238E27FC236}">
+                <a16:creationId xmlns:a16="http://schemas.microsoft.com/office/drawing/2014/main" id="{CE0557F7-31B3-41DF-BF5F-0EEDDD6EF876}"/>
+              </a:ext>
+            </a:extLst>
+          </p:cNvPr>
+          <p:cNvSpPr/>
+          <p:nvPr/>
+        </p:nvSpPr>
+        <p:spPr>
+          <a:xfrm>
+            <a:off x="3780692" y="2268415"/>
+            <a:ext cx="158261" cy="181708"/>
+          </a:xfrm>
+          <a:prstGeom prst="ellipse">
+            <a:avLst/>
+          </a:prstGeom>
+        </p:spPr>
+        <p:style>
+          <a:lnRef idx="2">
+            <a:schemeClr val="accent1">
+              <a:shade val="50000"/>
+            </a:schemeClr>
+          </a:lnRef>
+          <a:fillRef idx="1">
+            <a:schemeClr val="accent1"/>
+          </a:fillRef>
+          <a:effectRef idx="0">
+            <a:schemeClr val="accent1"/>
+          </a:effectRef>
+          <a:fontRef idx="minor">
+            <a:schemeClr val="lt1"/>
+          </a:fontRef>
+        </p:style>
+        <p:txBody>
+          <a:bodyPr rtlCol="0" anchor="ctr"/>
+          <a:lstStyle/>
+          <a:p>
+            <a:pPr algn="ctr"/>
+            <a:endParaRPr lang="en-US"/>
+          </a:p>
+        </p:txBody>
+      </p:sp>
+    </p:spTree>
+    <p:extLst>
+      <p:ext uri="{BB962C8B-B14F-4D97-AF65-F5344CB8AC3E}">
+        <p14:creationId xmlns:p14="http://schemas.microsoft.com/office/powerpoint/2010/main" val="3564335561"/>
+      </p:ext>
+    </p:extLst>
+  </p:cSld>
+  <p:clrMapOvr>
+    <a:masterClrMapping/>
+  </p:clrMapOvr>
+</p:sld>
+</file>
+
+<file path=ppt/slides/slide52.xml><?xml version="1.0" encoding="utf-8"?>
+<p:sld xmlns:a="http://schemas.openxmlformats.org/drawingml/2006/main" xmlns:r="http://schemas.openxmlformats.org/officeDocument/2006/relationships" xmlns:p="http://schemas.openxmlformats.org/presentationml/2006/main">
+  <p:cSld>
+    <p:spTree>
+      <p:nvGrpSpPr>
+        <p:cNvPr id="1" name=""/>
+        <p:cNvGrpSpPr/>
+        <p:nvPr/>
+      </p:nvGrpSpPr>
+      <p:grpSpPr>
+        <a:xfrm>
+          <a:off x="0" y="0"/>
+          <a:ext cx="0" cy="0"/>
+          <a:chOff x="0" y="0"/>
+          <a:chExt cx="0" cy="0"/>
+        </a:xfrm>
+      </p:grpSpPr>
+      <p:sp>
+        <p:nvSpPr>
+          <p:cNvPr id="2" name="Title 1">
+            <a:extLst>
+              <a:ext uri="{FF2B5EF4-FFF2-40B4-BE49-F238E27FC236}">
+                <a16:creationId xmlns:a16="http://schemas.microsoft.com/office/drawing/2014/main" id="{083AD4D1-4916-45CE-82F2-FEE335B72BD3}"/>
+              </a:ext>
+            </a:extLst>
+          </p:cNvPr>
+          <p:cNvSpPr>
+            <a:spLocks noGrp="1"/>
+          </p:cNvSpPr>
+          <p:nvPr>
+            <p:ph type="title"/>
+          </p:nvPr>
+        </p:nvSpPr>
+        <p:spPr/>
+        <p:txBody>
+          <a:bodyPr>
+            <a:normAutofit fontScale="90000"/>
+          </a:bodyPr>
+          <a:lstStyle/>
+          <a:p>
+            <a:r>
+              <a:rPr lang="en-US" dirty="0"/>
+              <a:t>So, we select a starting point and jitter around our parameters until we stop increasing our log-likelihood.</a:t>
+            </a:r>
+            <a:br>
+              <a:rPr lang="en-US" dirty="0"/>
+            </a:br>
+            <a:endParaRPr lang="en-US" dirty="0"/>
+          </a:p>
+        </p:txBody>
+      </p:sp>
+      <p:sp>
+        <p:nvSpPr>
+          <p:cNvPr id="4" name="AutoShape 2" descr="Image result for normal log likelihood">
+            <a:extLst>
+              <a:ext uri="{FF2B5EF4-FFF2-40B4-BE49-F238E27FC236}">
+                <a16:creationId xmlns:a16="http://schemas.microsoft.com/office/drawing/2014/main" id="{D1C48564-8F7D-498F-B666-B95061E34B48}"/>
+              </a:ext>
+            </a:extLst>
+          </p:cNvPr>
+          <p:cNvSpPr>
+            <a:spLocks noChangeAspect="1" noChangeArrowheads="1"/>
+          </p:cNvSpPr>
+          <p:nvPr/>
+        </p:nvSpPr>
+        <p:spPr bwMode="auto">
+          <a:xfrm>
+            <a:off x="4419600" y="3276600"/>
+            <a:ext cx="304800" cy="304800"/>
+          </a:xfrm>
+          <a:prstGeom prst="rect">
+            <a:avLst/>
+          </a:prstGeom>
+          <a:noFill/>
+          <a:extLst>
+            <a:ext uri="{909E8E84-426E-40DD-AFC4-6F175D3DCCD1}">
+              <a14:hiddenFill xmlns:a14="http://schemas.microsoft.com/office/drawing/2010/main">
+                <a:solidFill>
+                  <a:srgbClr val="FFFFFF"/>
+                </a:solidFill>
+              </a14:hiddenFill>
+            </a:ext>
+          </a:extLst>
+        </p:spPr>
+        <p:txBody>
+          <a:bodyPr vert="horz" wrap="square" lIns="91440" tIns="45720" rIns="91440" bIns="45720" numCol="1" anchor="t" anchorCtr="0" compatLnSpc="1">
+            <a:prstTxWarp prst="textNoShape">
+              <a:avLst/>
+            </a:prstTxWarp>
+          </a:bodyPr>
+          <a:lstStyle/>
+          <a:p>
+            <a:endParaRPr lang="en-US"/>
+          </a:p>
+        </p:txBody>
+      </p:sp>
+      <p:sp>
+        <p:nvSpPr>
+          <p:cNvPr id="8" name="AutoShape 10" descr="Image result for normal log likelihood">
+            <a:extLst>
+              <a:ext uri="{FF2B5EF4-FFF2-40B4-BE49-F238E27FC236}">
+                <a16:creationId xmlns:a16="http://schemas.microsoft.com/office/drawing/2014/main" id="{AA66AD20-A99D-4A91-BA44-CE753E686F3B}"/>
+              </a:ext>
+            </a:extLst>
+          </p:cNvPr>
+          <p:cNvSpPr>
+            <a:spLocks noGrp="1" noChangeAspect="1" noChangeArrowheads="1"/>
+          </p:cNvSpPr>
+          <p:nvPr>
+            <p:ph idx="1"/>
+          </p:nvPr>
+        </p:nvSpPr>
+        <p:spPr bwMode="auto">
+          <a:prstGeom prst="rect">
+            <a:avLst/>
+          </a:prstGeom>
+          <a:noFill/>
+          <a:extLst>
+            <a:ext uri="{909E8E84-426E-40DD-AFC4-6F175D3DCCD1}">
+              <a14:hiddenFill xmlns:a14="http://schemas.microsoft.com/office/drawing/2010/main">
+                <a:solidFill>
+                  <a:srgbClr val="FFFFFF"/>
+                </a:solidFill>
+              </a14:hiddenFill>
+            </a:ext>
+          </a:extLst>
+        </p:spPr>
+        <p:txBody>
+          <a:bodyPr vert="horz" wrap="square" lIns="91440" tIns="45720" rIns="91440" bIns="45720" numCol="1" anchor="t" anchorCtr="0" compatLnSpc="1">
+            <a:prstTxWarp prst="textNoShape">
+              <a:avLst/>
+            </a:prstTxWarp>
+          </a:bodyPr>
+          <a:lstStyle/>
+          <a:p>
+            <a:endParaRPr lang="en-US" dirty="0"/>
+          </a:p>
+        </p:txBody>
+      </p:sp>
+      <p:pic>
+        <p:nvPicPr>
+          <p:cNvPr id="2070" name="Picture 22" descr="https://onlinecourses.science.psu.edu/stat504/sites/onlinecourses.science.psu.edu.stat504/files/lec1fig5/index.gif">
+            <a:extLst>
+              <a:ext uri="{FF2B5EF4-FFF2-40B4-BE49-F238E27FC236}">
+                <a16:creationId xmlns:a16="http://schemas.microsoft.com/office/drawing/2014/main" id="{DD73D951-602E-446E-82E3-424E883F0C8B}"/>
+              </a:ext>
+            </a:extLst>
+          </p:cNvPr>
+          <p:cNvPicPr>
+            <a:picLocks noChangeAspect="1" noChangeArrowheads="1"/>
+          </p:cNvPicPr>
+          <p:nvPr/>
+        </p:nvPicPr>
+        <p:blipFill>
+          <a:blip r:embed="rId2">
+            <a:extLst>
+              <a:ext uri="{28A0092B-C50C-407E-A947-70E740481C1C}">
+                <a14:useLocalDpi xmlns:a14="http://schemas.microsoft.com/office/drawing/2010/main" val="0"/>
+              </a:ext>
+            </a:extLst>
+          </a:blip>
+          <a:srcRect/>
+          <a:stretch>
+            <a:fillRect/>
+          </a:stretch>
+        </p:blipFill>
+        <p:spPr bwMode="auto">
+          <a:xfrm>
+            <a:off x="2234860" y="1569534"/>
+            <a:ext cx="4800600" cy="4800600"/>
+          </a:xfrm>
+          <a:prstGeom prst="rect">
+            <a:avLst/>
+          </a:prstGeom>
+          <a:solidFill>
+            <a:schemeClr val="tx1"/>
+          </a:solidFill>
+        </p:spPr>
+      </p:pic>
+      <p:sp>
+        <p:nvSpPr>
+          <p:cNvPr id="6" name="Oval 5">
+            <a:extLst>
+              <a:ext uri="{FF2B5EF4-FFF2-40B4-BE49-F238E27FC236}">
+                <a16:creationId xmlns:a16="http://schemas.microsoft.com/office/drawing/2014/main" id="{119F8134-F0F7-47F4-82F7-230BE3FECAA3}"/>
+              </a:ext>
+            </a:extLst>
+          </p:cNvPr>
+          <p:cNvSpPr/>
+          <p:nvPr/>
+        </p:nvSpPr>
+        <p:spPr>
+          <a:xfrm>
+            <a:off x="4457700" y="2179883"/>
+            <a:ext cx="158261" cy="181708"/>
+          </a:xfrm>
+          <a:prstGeom prst="ellipse">
+            <a:avLst/>
+          </a:prstGeom>
+        </p:spPr>
+        <p:style>
+          <a:lnRef idx="2">
+            <a:schemeClr val="accent1">
+              <a:shade val="50000"/>
+            </a:schemeClr>
+          </a:lnRef>
+          <a:fillRef idx="1">
+            <a:schemeClr val="accent1"/>
+          </a:fillRef>
+          <a:effectRef idx="0">
+            <a:schemeClr val="accent1"/>
+          </a:effectRef>
+          <a:fontRef idx="minor">
+            <a:schemeClr val="lt1"/>
+          </a:fontRef>
+        </p:style>
+        <p:txBody>
+          <a:bodyPr rtlCol="0" anchor="ctr"/>
+          <a:lstStyle/>
+          <a:p>
+            <a:pPr algn="ctr"/>
+            <a:endParaRPr lang="en-US"/>
+          </a:p>
+        </p:txBody>
+      </p:sp>
+    </p:spTree>
+    <p:extLst>
+      <p:ext uri="{BB962C8B-B14F-4D97-AF65-F5344CB8AC3E}">
+        <p14:creationId xmlns:p14="http://schemas.microsoft.com/office/powerpoint/2010/main" val="3014412443"/>
+      </p:ext>
+    </p:extLst>
+  </p:cSld>
+  <p:clrMapOvr>
+    <a:masterClrMapping/>
+  </p:clrMapOvr>
+</p:sld>
+</file>
+
+<file path=ppt/slides/slide53.xml><?xml version="1.0" encoding="utf-8"?>
+<p:sld xmlns:a="http://schemas.openxmlformats.org/drawingml/2006/main" xmlns:r="http://schemas.openxmlformats.org/officeDocument/2006/relationships" xmlns:p="http://schemas.openxmlformats.org/presentationml/2006/main">
+  <p:cSld>
+    <p:spTree>
+      <p:nvGrpSpPr>
+        <p:cNvPr id="1" name=""/>
+        <p:cNvGrpSpPr/>
+        <p:nvPr/>
+      </p:nvGrpSpPr>
+      <p:grpSpPr>
+        <a:xfrm>
+          <a:off x="0" y="0"/>
+          <a:ext cx="0" cy="0"/>
+          <a:chOff x="0" y="0"/>
+          <a:chExt cx="0" cy="0"/>
+        </a:xfrm>
+      </p:grpSpPr>
+      <p:sp>
+        <p:nvSpPr>
+          <p:cNvPr id="2" name="Title 1">
+            <a:extLst>
+              <a:ext uri="{FF2B5EF4-FFF2-40B4-BE49-F238E27FC236}">
+                <a16:creationId xmlns:a16="http://schemas.microsoft.com/office/drawing/2014/main" id="{083AD4D1-4916-45CE-82F2-FEE335B72BD3}"/>
+              </a:ext>
+            </a:extLst>
+          </p:cNvPr>
+          <p:cNvSpPr>
+            <a:spLocks noGrp="1"/>
+          </p:cNvSpPr>
+          <p:nvPr>
+            <p:ph type="title"/>
+          </p:nvPr>
+        </p:nvSpPr>
+        <p:spPr/>
+        <p:txBody>
+          <a:bodyPr>
+            <a:normAutofit fontScale="90000"/>
+          </a:bodyPr>
+          <a:lstStyle/>
+          <a:p>
+            <a:r>
+              <a:rPr lang="en-US" dirty="0"/>
+              <a:t>So, we select a starting point and jitter around our parameters until we stop increasing our log-likelihood.</a:t>
+            </a:r>
+            <a:br>
+              <a:rPr lang="en-US" dirty="0"/>
+            </a:br>
+            <a:endParaRPr lang="en-US" dirty="0"/>
+          </a:p>
+        </p:txBody>
+      </p:sp>
+      <p:sp>
+        <p:nvSpPr>
+          <p:cNvPr id="4" name="AutoShape 2" descr="Image result for normal log likelihood">
+            <a:extLst>
+              <a:ext uri="{FF2B5EF4-FFF2-40B4-BE49-F238E27FC236}">
+                <a16:creationId xmlns:a16="http://schemas.microsoft.com/office/drawing/2014/main" id="{D1C48564-8F7D-498F-B666-B95061E34B48}"/>
+              </a:ext>
+            </a:extLst>
+          </p:cNvPr>
+          <p:cNvSpPr>
+            <a:spLocks noChangeAspect="1" noChangeArrowheads="1"/>
+          </p:cNvSpPr>
+          <p:nvPr/>
+        </p:nvSpPr>
+        <p:spPr bwMode="auto">
+          <a:xfrm>
+            <a:off x="4419600" y="3276600"/>
+            <a:ext cx="304800" cy="304800"/>
+          </a:xfrm>
+          <a:prstGeom prst="rect">
+            <a:avLst/>
+          </a:prstGeom>
+          <a:noFill/>
+          <a:extLst>
+            <a:ext uri="{909E8E84-426E-40DD-AFC4-6F175D3DCCD1}">
+              <a14:hiddenFill xmlns:a14="http://schemas.microsoft.com/office/drawing/2010/main">
+                <a:solidFill>
+                  <a:srgbClr val="FFFFFF"/>
+                </a:solidFill>
+              </a14:hiddenFill>
+            </a:ext>
+          </a:extLst>
+        </p:spPr>
+        <p:txBody>
+          <a:bodyPr vert="horz" wrap="square" lIns="91440" tIns="45720" rIns="91440" bIns="45720" numCol="1" anchor="t" anchorCtr="0" compatLnSpc="1">
+            <a:prstTxWarp prst="textNoShape">
+              <a:avLst/>
+            </a:prstTxWarp>
+          </a:bodyPr>
+          <a:lstStyle/>
+          <a:p>
+            <a:endParaRPr lang="en-US"/>
+          </a:p>
+        </p:txBody>
+      </p:sp>
+      <p:sp>
+        <p:nvSpPr>
+          <p:cNvPr id="8" name="AutoShape 10" descr="Image result for normal log likelihood">
+            <a:extLst>
+              <a:ext uri="{FF2B5EF4-FFF2-40B4-BE49-F238E27FC236}">
+                <a16:creationId xmlns:a16="http://schemas.microsoft.com/office/drawing/2014/main" id="{AA66AD20-A99D-4A91-BA44-CE753E686F3B}"/>
+              </a:ext>
+            </a:extLst>
+          </p:cNvPr>
+          <p:cNvSpPr>
+            <a:spLocks noGrp="1" noChangeAspect="1" noChangeArrowheads="1"/>
+          </p:cNvSpPr>
+          <p:nvPr>
+            <p:ph idx="1"/>
+          </p:nvPr>
+        </p:nvSpPr>
+        <p:spPr bwMode="auto">
+          <a:prstGeom prst="rect">
+            <a:avLst/>
+          </a:prstGeom>
+          <a:noFill/>
+          <a:extLst>
+            <a:ext uri="{909E8E84-426E-40DD-AFC4-6F175D3DCCD1}">
+              <a14:hiddenFill xmlns:a14="http://schemas.microsoft.com/office/drawing/2010/main">
+                <a:solidFill>
+                  <a:srgbClr val="FFFFFF"/>
+                </a:solidFill>
+              </a14:hiddenFill>
+            </a:ext>
+          </a:extLst>
+        </p:spPr>
+        <p:txBody>
+          <a:bodyPr vert="horz" wrap="square" lIns="91440" tIns="45720" rIns="91440" bIns="45720" numCol="1" anchor="t" anchorCtr="0" compatLnSpc="1">
+            <a:prstTxWarp prst="textNoShape">
+              <a:avLst/>
+            </a:prstTxWarp>
+          </a:bodyPr>
+          <a:lstStyle/>
+          <a:p>
+            <a:endParaRPr lang="en-US" dirty="0"/>
+          </a:p>
+        </p:txBody>
+      </p:sp>
+      <p:pic>
+        <p:nvPicPr>
+          <p:cNvPr id="2070" name="Picture 22" descr="https://onlinecourses.science.psu.edu/stat504/sites/onlinecourses.science.psu.edu.stat504/files/lec1fig5/index.gif">
+            <a:extLst>
+              <a:ext uri="{FF2B5EF4-FFF2-40B4-BE49-F238E27FC236}">
+                <a16:creationId xmlns:a16="http://schemas.microsoft.com/office/drawing/2014/main" id="{DD73D951-602E-446E-82E3-424E883F0C8B}"/>
+              </a:ext>
+            </a:extLst>
+          </p:cNvPr>
+          <p:cNvPicPr>
+            <a:picLocks noChangeAspect="1" noChangeArrowheads="1"/>
+          </p:cNvPicPr>
+          <p:nvPr/>
+        </p:nvPicPr>
+        <p:blipFill>
+          <a:blip r:embed="rId2">
+            <a:extLst>
+              <a:ext uri="{28A0092B-C50C-407E-A947-70E740481C1C}">
+                <a14:useLocalDpi xmlns:a14="http://schemas.microsoft.com/office/drawing/2010/main" val="0"/>
+              </a:ext>
+            </a:extLst>
+          </a:blip>
+          <a:srcRect/>
+          <a:stretch>
+            <a:fillRect/>
+          </a:stretch>
+        </p:blipFill>
+        <p:spPr bwMode="auto">
+          <a:xfrm>
+            <a:off x="2234860" y="1569534"/>
+            <a:ext cx="4800600" cy="4800600"/>
+          </a:xfrm>
+          <a:prstGeom prst="rect">
+            <a:avLst/>
+          </a:prstGeom>
+          <a:solidFill>
+            <a:schemeClr val="tx1"/>
+          </a:solidFill>
+        </p:spPr>
+      </p:pic>
+      <p:sp>
+        <p:nvSpPr>
+          <p:cNvPr id="6" name="Oval 5">
+            <a:extLst>
+              <a:ext uri="{FF2B5EF4-FFF2-40B4-BE49-F238E27FC236}">
+                <a16:creationId xmlns:a16="http://schemas.microsoft.com/office/drawing/2014/main" id="{119F8134-F0F7-47F4-82F7-230BE3FECAA3}"/>
+              </a:ext>
+            </a:extLst>
+          </p:cNvPr>
+          <p:cNvSpPr/>
+          <p:nvPr/>
+        </p:nvSpPr>
+        <p:spPr>
+          <a:xfrm>
+            <a:off x="4281854" y="2179883"/>
+            <a:ext cx="158261" cy="181708"/>
+          </a:xfrm>
+          <a:prstGeom prst="ellipse">
+            <a:avLst/>
+          </a:prstGeom>
+        </p:spPr>
+        <p:style>
+          <a:lnRef idx="2">
+            <a:schemeClr val="accent1">
+              <a:shade val="50000"/>
+            </a:schemeClr>
+          </a:lnRef>
+          <a:fillRef idx="1">
+            <a:schemeClr val="accent1"/>
+          </a:fillRef>
+          <a:effectRef idx="0">
+            <a:schemeClr val="accent1"/>
+          </a:effectRef>
+          <a:fontRef idx="minor">
+            <a:schemeClr val="lt1"/>
+          </a:fontRef>
+        </p:style>
+        <p:txBody>
+          <a:bodyPr rtlCol="0" anchor="ctr"/>
+          <a:lstStyle/>
+          <a:p>
+            <a:pPr algn="ctr"/>
+            <a:endParaRPr lang="en-US"/>
+          </a:p>
+        </p:txBody>
+      </p:sp>
+    </p:spTree>
+    <p:extLst>
+      <p:ext uri="{BB962C8B-B14F-4D97-AF65-F5344CB8AC3E}">
+        <p14:creationId xmlns:p14="http://schemas.microsoft.com/office/powerpoint/2010/main" val="3899720026"/>
+      </p:ext>
+    </p:extLst>
+  </p:cSld>
+  <p:clrMapOvr>
+    <a:masterClrMapping/>
+  </p:clrMapOvr>
+</p:sld>
+</file>
+
+<file path=ppt/slides/slide54.xml><?xml version="1.0" encoding="utf-8"?>
 <p:sld xmlns:a="http://schemas.openxmlformats.org/drawingml/2006/main" xmlns:r="http://schemas.openxmlformats.org/officeDocument/2006/relationships" xmlns:p="http://schemas.openxmlformats.org/presentationml/2006/main">
   <p:cSld>
     <p:spTree>
@@ -23286,7 +24920,7 @@
 </p:sld>
 </file>
 
-<file path=ppt/slides/slide46.xml><?xml version="1.0" encoding="utf-8"?>
+<file path=ppt/slides/slide55.xml><?xml version="1.0" encoding="utf-8"?>
 <p:sld xmlns:a="http://schemas.openxmlformats.org/drawingml/2006/main" xmlns:r="http://schemas.openxmlformats.org/officeDocument/2006/relationships" xmlns:p="http://schemas.openxmlformats.org/presentationml/2006/main">
   <p:cSld>
     <p:spTree>
@@ -23347,14 +24981,28 @@
             <p:ph idx="1"/>
           </p:nvPr>
         </p:nvSpPr>
-        <p:spPr/>
+        <p:spPr>
+          <a:xfrm>
+            <a:off x="237834" y="1761893"/>
+            <a:ext cx="8794653" cy="4415883"/>
+          </a:xfrm>
+        </p:spPr>
         <p:txBody>
           <a:bodyPr/>
           <a:lstStyle/>
           <a:p>
             <a:r>
               <a:rPr lang="en-US" dirty="0"/>
-              <a:t>In a dataset with X</a:t>
+              <a:t>This is in contrast to a gradient-based algorithm</a:t>
+            </a:r>
+          </a:p>
+          <a:p>
+            <a:endParaRPr lang="en-US" dirty="0"/>
+          </a:p>
+          <a:p>
+            <a:r>
+              <a:rPr lang="en-US" dirty="0"/>
+              <a:t>For example, in a dataset with X</a:t>
             </a:r>
             <a:r>
               <a:rPr lang="en-US" baseline="-25000" dirty="0"/>
@@ -23402,7 +25050,7 @@
 </p:sld>
 </file>
 
-<file path=ppt/slides/slide47.xml><?xml version="1.0" encoding="utf-8"?>
+<file path=ppt/slides/slide56.xml><?xml version="1.0" encoding="utf-8"?>
 <p:sld xmlns:a="http://schemas.openxmlformats.org/drawingml/2006/main" xmlns:r="http://schemas.openxmlformats.org/officeDocument/2006/relationships" xmlns:p="http://schemas.openxmlformats.org/presentationml/2006/main">
   <p:cSld>
     <p:spTree>
@@ -23494,7 +25142,7 @@
 </p:sld>
 </file>
 
-<file path=ppt/slides/slide48.xml><?xml version="1.0" encoding="utf-8"?>
+<file path=ppt/slides/slide57.xml><?xml version="1.0" encoding="utf-8"?>
 <p:sld xmlns:a="http://schemas.openxmlformats.org/drawingml/2006/main" xmlns:r="http://schemas.openxmlformats.org/officeDocument/2006/relationships" xmlns:p="http://schemas.openxmlformats.org/presentationml/2006/main">
   <p:cSld>
     <p:spTree>
@@ -23562,13 +25210,8 @@
           <a:p>
             <a:r>
               <a:rPr lang="en-US" dirty="0"/>
-              <a:t>Data </a:t>
-            </a:r>
-            <a:r>
-              <a:rPr lang="en-US"/>
-              <a:t>are multivariate normal</a:t>
-            </a:r>
-            <a:endParaRPr lang="en-US" dirty="0"/>
+              <a:t>Data are multivariate normal</a:t>
+            </a:r>
           </a:p>
           <a:p>
             <a:r>
@@ -23774,7 +25417,7 @@
 </p:sld>
 </file>
 
-<file path=ppt/slides/slide49.xml><?xml version="1.0" encoding="utf-8"?>
+<file path=ppt/slides/slide58.xml><?xml version="1.0" encoding="utf-8"?>
 <p:sld xmlns:a="http://schemas.openxmlformats.org/drawingml/2006/main" xmlns:r="http://schemas.openxmlformats.org/officeDocument/2006/relationships" xmlns:p="http://schemas.openxmlformats.org/presentationml/2006/main">
   <p:cSld>
     <p:spTree>
@@ -23892,14 +25535,14 @@
           <a:p>
             <a:r>
               <a:rPr lang="en-US" dirty="0"/>
-              <a:t>Are you running an analysis WITHOUT latent variables?</a:t>
+              <a:t>Are you running an analysis that’s not specified as an SEM?</a:t>
             </a:r>
           </a:p>
           <a:p>
             <a:pPr lvl="1"/>
             <a:r>
               <a:rPr lang="en-US" dirty="0"/>
-              <a:t>FIML requires some additional specification and complicates your models</a:t>
+              <a:t>FIML requires some additional complexity and complicates your models</a:t>
             </a:r>
           </a:p>
           <a:p>
@@ -24454,96 +26097,7 @@
 </p:sld>
 </file>
 
-<file path=ppt/slides/slide5.xml><?xml version="1.0" encoding="utf-8"?>
-<p:sld xmlns:a="http://schemas.openxmlformats.org/drawingml/2006/main" xmlns:r="http://schemas.openxmlformats.org/officeDocument/2006/relationships" xmlns:p="http://schemas.openxmlformats.org/presentationml/2006/main">
-  <p:cSld>
-    <p:spTree>
-      <p:nvGrpSpPr>
-        <p:cNvPr id="1" name=""/>
-        <p:cNvGrpSpPr/>
-        <p:nvPr/>
-      </p:nvGrpSpPr>
-      <p:grpSpPr>
-        <a:xfrm>
-          <a:off x="0" y="0"/>
-          <a:ext cx="0" cy="0"/>
-          <a:chOff x="0" y="0"/>
-          <a:chExt cx="0" cy="0"/>
-        </a:xfrm>
-      </p:grpSpPr>
-      <p:sp>
-        <p:nvSpPr>
-          <p:cNvPr id="2" name="Title 1">
-            <a:extLst>
-              <a:ext uri="{FF2B5EF4-FFF2-40B4-BE49-F238E27FC236}">
-                <a16:creationId xmlns:a16="http://schemas.microsoft.com/office/drawing/2014/main" id="{765E85D1-A95A-4FD4-BA8B-5D1822881880}"/>
-              </a:ext>
-            </a:extLst>
-          </p:cNvPr>
-          <p:cNvSpPr>
-            <a:spLocks noGrp="1"/>
-          </p:cNvSpPr>
-          <p:nvPr>
-            <p:ph type="title"/>
-          </p:nvPr>
-        </p:nvSpPr>
-        <p:spPr/>
-        <p:txBody>
-          <a:bodyPr/>
-          <a:lstStyle/>
-          <a:p>
-            <a:r>
-              <a:rPr lang="en-US" dirty="0"/>
-              <a:t>Deleting cases is not only inefficient but can lead to bias</a:t>
-            </a:r>
-          </a:p>
-        </p:txBody>
-      </p:sp>
-      <p:sp>
-        <p:nvSpPr>
-          <p:cNvPr id="3" name="Content Placeholder 2">
-            <a:extLst>
-              <a:ext uri="{FF2B5EF4-FFF2-40B4-BE49-F238E27FC236}">
-                <a16:creationId xmlns:a16="http://schemas.microsoft.com/office/drawing/2014/main" id="{9367939A-2992-4708-B0E0-BB75D30F3E49}"/>
-              </a:ext>
-            </a:extLst>
-          </p:cNvPr>
-          <p:cNvSpPr>
-            <a:spLocks noGrp="1"/>
-          </p:cNvSpPr>
-          <p:nvPr>
-            <p:ph idx="1"/>
-          </p:nvPr>
-        </p:nvSpPr>
-        <p:spPr/>
-        <p:txBody>
-          <a:bodyPr/>
-          <a:lstStyle/>
-          <a:p>
-            <a:pPr marL="0" indent="0" algn="ctr">
-              <a:buNone/>
-            </a:pPr>
-            <a:r>
-              <a:rPr lang="en-US" dirty="0"/>
-              <a:t>MLE slides 2-6</a:t>
-            </a:r>
-          </a:p>
-        </p:txBody>
-      </p:sp>
-    </p:spTree>
-    <p:extLst>
-      <p:ext uri="{BB962C8B-B14F-4D97-AF65-F5344CB8AC3E}">
-        <p14:creationId xmlns:p14="http://schemas.microsoft.com/office/powerpoint/2010/main" val="3553683406"/>
-      </p:ext>
-    </p:extLst>
-  </p:cSld>
-  <p:clrMapOvr>
-    <a:masterClrMapping/>
-  </p:clrMapOvr>
-</p:sld>
-</file>
-
-<file path=ppt/slides/slide50.xml><?xml version="1.0" encoding="utf-8"?>
+<file path=ppt/slides/slide59.xml><?xml version="1.0" encoding="utf-8"?>
 <p:sld xmlns:a="http://schemas.openxmlformats.org/drawingml/2006/main" xmlns:r="http://schemas.openxmlformats.org/officeDocument/2006/relationships" xmlns:p="http://schemas.openxmlformats.org/presentationml/2006/main">
   <p:cSld>
     <p:spTree>
@@ -24711,7 +26265,91 @@
 </p:sld>
 </file>
 
-<file path=ppt/slides/slide51.xml><?xml version="1.0" encoding="utf-8"?>
+<file path=ppt/slides/slide6.xml><?xml version="1.0" encoding="utf-8"?>
+<p:sld xmlns:a="http://schemas.openxmlformats.org/drawingml/2006/main" xmlns:r="http://schemas.openxmlformats.org/officeDocument/2006/relationships" xmlns:p="http://schemas.openxmlformats.org/presentationml/2006/main">
+  <p:cSld>
+    <p:spTree>
+      <p:nvGrpSpPr>
+        <p:cNvPr id="1" name=""/>
+        <p:cNvGrpSpPr/>
+        <p:nvPr/>
+      </p:nvGrpSpPr>
+      <p:grpSpPr>
+        <a:xfrm>
+          <a:off x="0" y="0"/>
+          <a:ext cx="0" cy="0"/>
+          <a:chOff x="0" y="0"/>
+          <a:chExt cx="0" cy="0"/>
+        </a:xfrm>
+      </p:grpSpPr>
+      <p:sp>
+        <p:nvSpPr>
+          <p:cNvPr id="2" name="Title 1">
+            <a:extLst>
+              <a:ext uri="{FF2B5EF4-FFF2-40B4-BE49-F238E27FC236}">
+                <a16:creationId xmlns:a16="http://schemas.microsoft.com/office/drawing/2014/main" id="{737AAF95-93E5-4D76-8921-2BDA4C833B57}"/>
+              </a:ext>
+            </a:extLst>
+          </p:cNvPr>
+          <p:cNvSpPr>
+            <a:spLocks noGrp="1"/>
+          </p:cNvSpPr>
+          <p:nvPr>
+            <p:ph type="title"/>
+          </p:nvPr>
+        </p:nvSpPr>
+        <p:spPr/>
+        <p:txBody>
+          <a:bodyPr/>
+          <a:lstStyle/>
+          <a:p>
+            <a:pPr algn="ctr"/>
+            <a:r>
+              <a:rPr lang="en-US" dirty="0"/>
+              <a:t>MLE slide 17</a:t>
+            </a:r>
+          </a:p>
+        </p:txBody>
+      </p:sp>
+      <p:sp>
+        <p:nvSpPr>
+          <p:cNvPr id="3" name="Content Placeholder 2">
+            <a:extLst>
+              <a:ext uri="{FF2B5EF4-FFF2-40B4-BE49-F238E27FC236}">
+                <a16:creationId xmlns:a16="http://schemas.microsoft.com/office/drawing/2014/main" id="{520FF1AC-B28E-46E7-959F-AE012CA237F1}"/>
+              </a:ext>
+            </a:extLst>
+          </p:cNvPr>
+          <p:cNvSpPr>
+            <a:spLocks noGrp="1"/>
+          </p:cNvSpPr>
+          <p:nvPr>
+            <p:ph idx="1"/>
+          </p:nvPr>
+        </p:nvSpPr>
+        <p:spPr/>
+        <p:txBody>
+          <a:bodyPr/>
+          <a:lstStyle/>
+          <a:p>
+            <a:endParaRPr lang="en-US" dirty="0"/>
+          </a:p>
+        </p:txBody>
+      </p:sp>
+    </p:spTree>
+    <p:extLst>
+      <p:ext uri="{BB962C8B-B14F-4D97-AF65-F5344CB8AC3E}">
+        <p14:creationId xmlns:p14="http://schemas.microsoft.com/office/powerpoint/2010/main" val="2310491891"/>
+      </p:ext>
+    </p:extLst>
+  </p:cSld>
+  <p:clrMapOvr>
+    <a:masterClrMapping/>
+  </p:clrMapOvr>
+</p:sld>
+</file>
+
+<file path=ppt/slides/slide60.xml><?xml version="1.0" encoding="utf-8"?>
 <p:sld xmlns:a="http://schemas.openxmlformats.org/drawingml/2006/main" xmlns:r="http://schemas.openxmlformats.org/officeDocument/2006/relationships" xmlns:p="http://schemas.openxmlformats.org/presentationml/2006/main">
   <p:cSld>
     <p:bg>
@@ -24955,7 +26593,7 @@
 </p:sld>
 </file>
 
-<file path=ppt/slides/slide52.xml><?xml version="1.0" encoding="utf-8"?>
+<file path=ppt/slides/slide61.xml><?xml version="1.0" encoding="utf-8"?>
 <p:sld xmlns:a="http://schemas.openxmlformats.org/drawingml/2006/main" xmlns:r="http://schemas.openxmlformats.org/officeDocument/2006/relationships" xmlns:p="http://schemas.openxmlformats.org/presentationml/2006/main">
   <p:cSld>
     <p:spTree>
@@ -25041,7 +26679,7 @@
 </p:sld>
 </file>
 
-<file path=ppt/slides/slide53.xml><?xml version="1.0" encoding="utf-8"?>
+<file path=ppt/slides/slide62.xml><?xml version="1.0" encoding="utf-8"?>
 <p:sld xmlns:a="http://schemas.openxmlformats.org/drawingml/2006/main" xmlns:r="http://schemas.openxmlformats.org/officeDocument/2006/relationships" xmlns:p="http://schemas.openxmlformats.org/presentationml/2006/main">
   <p:cSld>
     <p:spTree>
@@ -25131,7 +26769,7 @@
 </p:sld>
 </file>
 
-<file path=ppt/slides/slide54.xml><?xml version="1.0" encoding="utf-8"?>
+<file path=ppt/slides/slide63.xml><?xml version="1.0" encoding="utf-8"?>
 <p:sld xmlns:a="http://schemas.openxmlformats.org/drawingml/2006/main" xmlns:r="http://schemas.openxmlformats.org/officeDocument/2006/relationships" xmlns:p="http://schemas.openxmlformats.org/presentationml/2006/main">
   <p:cSld>
     <p:bg>
@@ -25375,7 +27013,98 @@
 </p:sld>
 </file>
 
-<file path=ppt/slides/slide55.xml><?xml version="1.0" encoding="utf-8"?>
+<file path=ppt/slides/slide64.xml><?xml version="1.0" encoding="utf-8"?>
+<p:sld xmlns:a="http://schemas.openxmlformats.org/drawingml/2006/main" xmlns:r="http://schemas.openxmlformats.org/officeDocument/2006/relationships" xmlns:p="http://schemas.openxmlformats.org/presentationml/2006/main">
+  <p:cSld>
+    <p:spTree>
+      <p:nvGrpSpPr>
+        <p:cNvPr id="1" name=""/>
+        <p:cNvGrpSpPr/>
+        <p:nvPr/>
+      </p:nvGrpSpPr>
+      <p:grpSpPr>
+        <a:xfrm>
+          <a:off x="0" y="0"/>
+          <a:ext cx="0" cy="0"/>
+          <a:chOff x="0" y="0"/>
+          <a:chExt cx="0" cy="0"/>
+        </a:xfrm>
+      </p:grpSpPr>
+      <p:sp>
+        <p:nvSpPr>
+          <p:cNvPr id="2" name="Title 1">
+            <a:extLst>
+              <a:ext uri="{FF2B5EF4-FFF2-40B4-BE49-F238E27FC236}">
+                <a16:creationId xmlns:a16="http://schemas.microsoft.com/office/drawing/2014/main" id="{ADBB05D2-72D0-4B54-8344-8EFCC640D14A}"/>
+              </a:ext>
+            </a:extLst>
+          </p:cNvPr>
+          <p:cNvSpPr>
+            <a:spLocks noGrp="1"/>
+          </p:cNvSpPr>
+          <p:nvPr>
+            <p:ph type="title"/>
+          </p:nvPr>
+        </p:nvSpPr>
+        <p:spPr/>
+        <p:txBody>
+          <a:bodyPr/>
+          <a:lstStyle/>
+          <a:p>
+            <a:r>
+              <a:rPr lang="en-US" dirty="0"/>
+              <a:t>An example for you to try</a:t>
+            </a:r>
+          </a:p>
+        </p:txBody>
+      </p:sp>
+      <p:sp>
+        <p:nvSpPr>
+          <p:cNvPr id="3" name="Content Placeholder 2">
+            <a:extLst>
+              <a:ext uri="{FF2B5EF4-FFF2-40B4-BE49-F238E27FC236}">
+                <a16:creationId xmlns:a16="http://schemas.microsoft.com/office/drawing/2014/main" id="{A53267C2-7FEB-42C0-8943-9D30CC5FFBBA}"/>
+              </a:ext>
+            </a:extLst>
+          </p:cNvPr>
+          <p:cNvSpPr>
+            <a:spLocks noGrp="1"/>
+          </p:cNvSpPr>
+          <p:nvPr>
+            <p:ph idx="1"/>
+          </p:nvPr>
+        </p:nvSpPr>
+        <p:spPr>
+          <a:xfrm>
+            <a:off x="237834" y="1761893"/>
+            <a:ext cx="8794653" cy="4415883"/>
+          </a:xfrm>
+        </p:spPr>
+        <p:txBody>
+          <a:bodyPr/>
+          <a:lstStyle/>
+          <a:p>
+            <a:pPr marL="0" indent="0">
+              <a:buNone/>
+            </a:pPr>
+            <a:endParaRPr lang="en-US" dirty="0"/>
+          </a:p>
+        </p:txBody>
+      </p:sp>
+    </p:spTree>
+    <p:extLst>
+      <p:ext uri="{BB962C8B-B14F-4D97-AF65-F5344CB8AC3E}">
+        <p14:creationId xmlns:p14="http://schemas.microsoft.com/office/powerpoint/2010/main" val="1790074114"/>
+      </p:ext>
+    </p:extLst>
+  </p:cSld>
+  <p:clrMapOvr>
+    <a:masterClrMapping/>
+  </p:clrMapOvr>
+</p:sld>
+</file>
+
+<file path=ppt/slides/slide65.xml><?xml version="1.0" encoding="utf-8"?>
 <p:sld xmlns:a="http://schemas.openxmlformats.org/drawingml/2006/main" xmlns:r="http://schemas.openxmlformats.org/officeDocument/2006/relationships" xmlns:p="http://schemas.openxmlformats.org/presentationml/2006/main">
   <p:cSld>
     <p:bg>
@@ -25589,7 +27318,7 @@
 </p:sld>
 </file>
 
-<file path=ppt/slides/slide56.xml><?xml version="1.0" encoding="utf-8"?>
+<file path=ppt/slides/slide66.xml><?xml version="1.0" encoding="utf-8"?>
 <p:sld xmlns:a="http://schemas.openxmlformats.org/drawingml/2006/main" xmlns:r="http://schemas.openxmlformats.org/officeDocument/2006/relationships" xmlns:p="http://schemas.openxmlformats.org/presentationml/2006/main">
   <p:cSld>
     <p:spTree>
@@ -26100,7 +27829,7 @@
 </p:sld>
 </file>
 
-<file path=ppt/slides/slide57.xml><?xml version="1.0" encoding="utf-8"?>
+<file path=ppt/slides/slide67.xml><?xml version="1.0" encoding="utf-8"?>
 <p:sld xmlns:a="http://schemas.openxmlformats.org/drawingml/2006/main" xmlns:r="http://schemas.openxmlformats.org/officeDocument/2006/relationships" xmlns:p="http://schemas.openxmlformats.org/presentationml/2006/main">
   <p:cSld>
     <p:spTree>
@@ -26168,19 +27897,30 @@
           <a:p>
             <a:r>
               <a:rPr lang="en-US" dirty="0"/>
-              <a:t>Convergence?</a:t>
-            </a:r>
-          </a:p>
-          <a:p>
+              <a:t>Convergence</a:t>
+            </a:r>
+          </a:p>
+          <a:p>
+            <a:pPr lvl="1"/>
             <a:r>
               <a:rPr lang="en-US" dirty="0"/>
-              <a:t>Similarity to original data?</a:t>
-            </a:r>
+              <a:t>We at least need this (draw picture)</a:t>
+            </a:r>
+          </a:p>
+          <a:p>
+            <a:pPr lvl="1"/>
+            <a:endParaRPr lang="en-US" dirty="0"/>
           </a:p>
           <a:p>
             <a:r>
               <a:rPr lang="en-US" dirty="0"/>
-              <a:t>Lack of impossible data points?</a:t>
+              <a:t>Similarity to original data</a:t>
+            </a:r>
+          </a:p>
+          <a:p>
+            <a:r>
+              <a:rPr lang="en-US" dirty="0"/>
+              <a:t>Lack of impossible data points</a:t>
             </a:r>
           </a:p>
           <a:p>
@@ -26216,7 +27956,7 @@
 </p:sld>
 </file>
 
-<file path=ppt/slides/slide58.xml><?xml version="1.0" encoding="utf-8"?>
+<file path=ppt/slides/slide68.xml><?xml version="1.0" encoding="utf-8"?>
 <p:sld xmlns:a="http://schemas.openxmlformats.org/drawingml/2006/main" xmlns:r="http://schemas.openxmlformats.org/officeDocument/2006/relationships" xmlns:p="http://schemas.openxmlformats.org/presentationml/2006/main">
   <p:cSld>
     <p:spTree>
@@ -26329,7 +28069,7 @@
 </p:sld>
 </file>
 
-<file path=ppt/slides/slide59.xml><?xml version="1.0" encoding="utf-8"?>
+<file path=ppt/slides/slide69.xml><?xml version="1.0" encoding="utf-8"?>
 <p:sld xmlns:a="http://schemas.openxmlformats.org/drawingml/2006/main" xmlns:r="http://schemas.openxmlformats.org/officeDocument/2006/relationships" xmlns:p="http://schemas.openxmlformats.org/presentationml/2006/main">
   <p:cSld>
     <p:spTree>
@@ -26464,312 +28204,6 @@
     <p:extLst>
       <p:ext uri="{BB962C8B-B14F-4D97-AF65-F5344CB8AC3E}">
         <p14:creationId xmlns:p14="http://schemas.microsoft.com/office/powerpoint/2010/main" val="3055609280"/>
-      </p:ext>
-    </p:extLst>
-  </p:cSld>
-  <p:clrMapOvr>
-    <a:masterClrMapping/>
-  </p:clrMapOvr>
-</p:sld>
-</file>
-
-<file path=ppt/slides/slide6.xml><?xml version="1.0" encoding="utf-8"?>
-<p:sld xmlns:a="http://schemas.openxmlformats.org/drawingml/2006/main" xmlns:r="http://schemas.openxmlformats.org/officeDocument/2006/relationships" xmlns:p="http://schemas.openxmlformats.org/presentationml/2006/main">
-  <p:cSld>
-    <p:spTree>
-      <p:nvGrpSpPr>
-        <p:cNvPr id="1" name=""/>
-        <p:cNvGrpSpPr/>
-        <p:nvPr/>
-      </p:nvGrpSpPr>
-      <p:grpSpPr>
-        <a:xfrm>
-          <a:off x="0" y="0"/>
-          <a:ext cx="0" cy="0"/>
-          <a:chOff x="0" y="0"/>
-          <a:chExt cx="0" cy="0"/>
-        </a:xfrm>
-      </p:grpSpPr>
-      <p:sp>
-        <p:nvSpPr>
-          <p:cNvPr id="2" name="Title 1">
-            <a:extLst>
-              <a:ext uri="{FF2B5EF4-FFF2-40B4-BE49-F238E27FC236}">
-                <a16:creationId xmlns:a16="http://schemas.microsoft.com/office/drawing/2014/main" id="{737AAF95-93E5-4D76-8921-2BDA4C833B57}"/>
-              </a:ext>
-            </a:extLst>
-          </p:cNvPr>
-          <p:cNvSpPr>
-            <a:spLocks noGrp="1"/>
-          </p:cNvSpPr>
-          <p:nvPr>
-            <p:ph type="title"/>
-          </p:nvPr>
-        </p:nvSpPr>
-        <p:spPr/>
-        <p:txBody>
-          <a:bodyPr/>
-          <a:lstStyle/>
-          <a:p>
-            <a:pPr algn="ctr"/>
-            <a:r>
-              <a:rPr lang="en-US" dirty="0"/>
-              <a:t>MLE slide 17</a:t>
-            </a:r>
-          </a:p>
-        </p:txBody>
-      </p:sp>
-      <p:sp>
-        <p:nvSpPr>
-          <p:cNvPr id="3" name="Content Placeholder 2">
-            <a:extLst>
-              <a:ext uri="{FF2B5EF4-FFF2-40B4-BE49-F238E27FC236}">
-                <a16:creationId xmlns:a16="http://schemas.microsoft.com/office/drawing/2014/main" id="{520FF1AC-B28E-46E7-959F-AE012CA237F1}"/>
-              </a:ext>
-            </a:extLst>
-          </p:cNvPr>
-          <p:cNvSpPr>
-            <a:spLocks noGrp="1"/>
-          </p:cNvSpPr>
-          <p:nvPr>
-            <p:ph idx="1"/>
-          </p:nvPr>
-        </p:nvSpPr>
-        <p:spPr/>
-        <p:txBody>
-          <a:bodyPr/>
-          <a:lstStyle/>
-          <a:p>
-            <a:endParaRPr lang="en-US" dirty="0"/>
-          </a:p>
-        </p:txBody>
-      </p:sp>
-    </p:spTree>
-    <p:extLst>
-      <p:ext uri="{BB962C8B-B14F-4D97-AF65-F5344CB8AC3E}">
-        <p14:creationId xmlns:p14="http://schemas.microsoft.com/office/powerpoint/2010/main" val="2310491891"/>
-      </p:ext>
-    </p:extLst>
-  </p:cSld>
-  <p:clrMapOvr>
-    <a:masterClrMapping/>
-  </p:clrMapOvr>
-</p:sld>
-</file>
-
-<file path=ppt/slides/slide60.xml><?xml version="1.0" encoding="utf-8"?>
-<p:sld xmlns:a="http://schemas.openxmlformats.org/drawingml/2006/main" xmlns:r="http://schemas.openxmlformats.org/officeDocument/2006/relationships" xmlns:p="http://schemas.openxmlformats.org/presentationml/2006/main">
-  <p:cSld>
-    <p:spTree>
-      <p:nvGrpSpPr>
-        <p:cNvPr id="1" name=""/>
-        <p:cNvGrpSpPr/>
-        <p:nvPr/>
-      </p:nvGrpSpPr>
-      <p:grpSpPr>
-        <a:xfrm>
-          <a:off x="0" y="0"/>
-          <a:ext cx="0" cy="0"/>
-          <a:chOff x="0" y="0"/>
-          <a:chExt cx="0" cy="0"/>
-        </a:xfrm>
-      </p:grpSpPr>
-      <p:sp>
-        <p:nvSpPr>
-          <p:cNvPr id="2" name="Title 1">
-            <a:extLst>
-              <a:ext uri="{FF2B5EF4-FFF2-40B4-BE49-F238E27FC236}">
-                <a16:creationId xmlns:a16="http://schemas.microsoft.com/office/drawing/2014/main" id="{792C256A-A754-4A68-85C5-92F2403BE670}"/>
-              </a:ext>
-            </a:extLst>
-          </p:cNvPr>
-          <p:cNvSpPr>
-            <a:spLocks noGrp="1"/>
-          </p:cNvSpPr>
-          <p:nvPr>
-            <p:ph type="title"/>
-          </p:nvPr>
-        </p:nvSpPr>
-        <p:spPr/>
-        <p:txBody>
-          <a:bodyPr/>
-          <a:lstStyle/>
-          <a:p>
-            <a:r>
-              <a:rPr lang="en-US" dirty="0"/>
-              <a:t>Do all multiple imputation </a:t>
-            </a:r>
-            <a:r>
-              <a:rPr lang="en-US" dirty="0" err="1"/>
-              <a:t>softwares</a:t>
-            </a:r>
-            <a:r>
-              <a:rPr lang="en-US" dirty="0"/>
-              <a:t> use chained equations?</a:t>
-            </a:r>
-          </a:p>
-        </p:txBody>
-      </p:sp>
-      <p:sp>
-        <p:nvSpPr>
-          <p:cNvPr id="3" name="Content Placeholder 2">
-            <a:extLst>
-              <a:ext uri="{FF2B5EF4-FFF2-40B4-BE49-F238E27FC236}">
-                <a16:creationId xmlns:a16="http://schemas.microsoft.com/office/drawing/2014/main" id="{9FE6CA47-297B-40BB-9681-DE52FF575E4D}"/>
-              </a:ext>
-            </a:extLst>
-          </p:cNvPr>
-          <p:cNvSpPr>
-            <a:spLocks noGrp="1"/>
-          </p:cNvSpPr>
-          <p:nvPr>
-            <p:ph idx="1"/>
-          </p:nvPr>
-        </p:nvSpPr>
-        <p:spPr/>
-        <p:txBody>
-          <a:bodyPr/>
-          <a:lstStyle/>
-          <a:p>
-            <a:r>
-              <a:rPr lang="en-US" dirty="0"/>
-              <a:t>No, Amelia (among others) uses a multivariate normal sampling method to simultaneously </a:t>
-            </a:r>
-            <a:r>
-              <a:rPr lang="en-US"/>
-              <a:t>estimate parameters</a:t>
-            </a:r>
-            <a:endParaRPr lang="en-US" dirty="0"/>
-          </a:p>
-        </p:txBody>
-      </p:sp>
-    </p:spTree>
-    <p:extLst>
-      <p:ext uri="{BB962C8B-B14F-4D97-AF65-F5344CB8AC3E}">
-        <p14:creationId xmlns:p14="http://schemas.microsoft.com/office/powerpoint/2010/main" val="354842531"/>
-      </p:ext>
-    </p:extLst>
-  </p:cSld>
-  <p:clrMapOvr>
-    <a:masterClrMapping/>
-  </p:clrMapOvr>
-</p:sld>
-</file>
-
-<file path=ppt/slides/slide61.xml><?xml version="1.0" encoding="utf-8"?>
-<p:sld xmlns:a="http://schemas.openxmlformats.org/drawingml/2006/main" xmlns:r="http://schemas.openxmlformats.org/officeDocument/2006/relationships" xmlns:p="http://schemas.openxmlformats.org/presentationml/2006/main">
-  <p:cSld>
-    <p:spTree>
-      <p:nvGrpSpPr>
-        <p:cNvPr id="1" name=""/>
-        <p:cNvGrpSpPr/>
-        <p:nvPr/>
-      </p:nvGrpSpPr>
-      <p:grpSpPr>
-        <a:xfrm>
-          <a:off x="0" y="0"/>
-          <a:ext cx="0" cy="0"/>
-          <a:chOff x="0" y="0"/>
-          <a:chExt cx="0" cy="0"/>
-        </a:xfrm>
-      </p:grpSpPr>
-      <p:sp>
-        <p:nvSpPr>
-          <p:cNvPr id="2" name="Title 1">
-            <a:extLst>
-              <a:ext uri="{FF2B5EF4-FFF2-40B4-BE49-F238E27FC236}">
-                <a16:creationId xmlns:a16="http://schemas.microsoft.com/office/drawing/2014/main" id="{32296BF8-EB1F-4ED3-8FC5-C0C453EE53AA}"/>
-              </a:ext>
-            </a:extLst>
-          </p:cNvPr>
-          <p:cNvSpPr>
-            <a:spLocks noGrp="1"/>
-          </p:cNvSpPr>
-          <p:nvPr>
-            <p:ph type="title"/>
-          </p:nvPr>
-        </p:nvSpPr>
-        <p:spPr/>
-        <p:txBody>
-          <a:bodyPr/>
-          <a:lstStyle/>
-          <a:p>
-            <a:r>
-              <a:rPr lang="en-US" dirty="0"/>
-              <a:t>How do we know when we’re done?</a:t>
-            </a:r>
-          </a:p>
-        </p:txBody>
-      </p:sp>
-      <p:sp>
-        <p:nvSpPr>
-          <p:cNvPr id="3" name="Content Placeholder 2">
-            <a:extLst>
-              <a:ext uri="{FF2B5EF4-FFF2-40B4-BE49-F238E27FC236}">
-                <a16:creationId xmlns:a16="http://schemas.microsoft.com/office/drawing/2014/main" id="{5FBE2B7F-CD95-402C-86C7-B7E0F08CECE3}"/>
-              </a:ext>
-            </a:extLst>
-          </p:cNvPr>
-          <p:cNvSpPr>
-            <a:spLocks noGrp="1"/>
-          </p:cNvSpPr>
-          <p:nvPr>
-            <p:ph idx="1"/>
-          </p:nvPr>
-        </p:nvSpPr>
-        <p:spPr/>
-        <p:txBody>
-          <a:bodyPr/>
-          <a:lstStyle/>
-          <a:p>
-            <a:r>
-              <a:rPr lang="en-US" dirty="0"/>
-              <a:t>At a higher level, we’re really doing a two-step</a:t>
-            </a:r>
-          </a:p>
-          <a:p>
-            <a:pPr marL="800100" lvl="1" indent="-457200">
-              <a:buAutoNum type="arabicParenR"/>
-            </a:pPr>
-            <a:r>
-              <a:rPr lang="en-US" b="1" dirty="0"/>
-              <a:t>Imputation step: </a:t>
-            </a:r>
-            <a:r>
-              <a:rPr lang="en-US" dirty="0"/>
-              <a:t>use observed relations to generate a best guess of each Y and X (with uncertainty) for missing observations</a:t>
-            </a:r>
-          </a:p>
-          <a:p>
-            <a:pPr marL="800100" lvl="1" indent="-457200">
-              <a:buAutoNum type="arabicParenR"/>
-            </a:pPr>
-            <a:r>
-              <a:rPr lang="en-US" b="1" dirty="0"/>
-              <a:t>Estimation step:</a:t>
-            </a:r>
-            <a:r>
-              <a:rPr lang="en-US" dirty="0"/>
-              <a:t> Estimate a new set of relations based on this dataset since relations have now shifted around</a:t>
-            </a:r>
-          </a:p>
-          <a:p>
-            <a:pPr lvl="1"/>
-            <a:endParaRPr lang="en-US" dirty="0"/>
-          </a:p>
-          <a:p>
-            <a:pPr lvl="1"/>
-            <a:r>
-              <a:rPr lang="en-US" b="1" dirty="0"/>
-              <a:t>Rinse and repeat until estimates stop changing (“converge”)</a:t>
-            </a:r>
-          </a:p>
-        </p:txBody>
-      </p:sp>
-    </p:spTree>
-    <p:extLst>
-      <p:ext uri="{BB962C8B-B14F-4D97-AF65-F5344CB8AC3E}">
-        <p14:creationId xmlns:p14="http://schemas.microsoft.com/office/powerpoint/2010/main" val="2198749743"/>
       </p:ext>
     </p:extLst>
   </p:cSld>
@@ -27011,6 +28445,228 @@
     <p:extLst>
       <p:ext uri="{BB962C8B-B14F-4D97-AF65-F5344CB8AC3E}">
         <p14:creationId xmlns:p14="http://schemas.microsoft.com/office/powerpoint/2010/main" val="137909199"/>
+      </p:ext>
+    </p:extLst>
+  </p:cSld>
+  <p:clrMapOvr>
+    <a:masterClrMapping/>
+  </p:clrMapOvr>
+</p:sld>
+</file>
+
+<file path=ppt/slides/slide70.xml><?xml version="1.0" encoding="utf-8"?>
+<p:sld xmlns:a="http://schemas.openxmlformats.org/drawingml/2006/main" xmlns:r="http://schemas.openxmlformats.org/officeDocument/2006/relationships" xmlns:p="http://schemas.openxmlformats.org/presentationml/2006/main">
+  <p:cSld>
+    <p:spTree>
+      <p:nvGrpSpPr>
+        <p:cNvPr id="1" name=""/>
+        <p:cNvGrpSpPr/>
+        <p:nvPr/>
+      </p:nvGrpSpPr>
+      <p:grpSpPr>
+        <a:xfrm>
+          <a:off x="0" y="0"/>
+          <a:ext cx="0" cy="0"/>
+          <a:chOff x="0" y="0"/>
+          <a:chExt cx="0" cy="0"/>
+        </a:xfrm>
+      </p:grpSpPr>
+      <p:sp>
+        <p:nvSpPr>
+          <p:cNvPr id="2" name="Title 1">
+            <a:extLst>
+              <a:ext uri="{FF2B5EF4-FFF2-40B4-BE49-F238E27FC236}">
+                <a16:creationId xmlns:a16="http://schemas.microsoft.com/office/drawing/2014/main" id="{792C256A-A754-4A68-85C5-92F2403BE670}"/>
+              </a:ext>
+            </a:extLst>
+          </p:cNvPr>
+          <p:cNvSpPr>
+            <a:spLocks noGrp="1"/>
+          </p:cNvSpPr>
+          <p:nvPr>
+            <p:ph type="title"/>
+          </p:nvPr>
+        </p:nvSpPr>
+        <p:spPr/>
+        <p:txBody>
+          <a:bodyPr/>
+          <a:lstStyle/>
+          <a:p>
+            <a:r>
+              <a:rPr lang="en-US" dirty="0"/>
+              <a:t>Do all multiple imputation </a:t>
+            </a:r>
+            <a:r>
+              <a:rPr lang="en-US" dirty="0" err="1"/>
+              <a:t>softwares</a:t>
+            </a:r>
+            <a:r>
+              <a:rPr lang="en-US" dirty="0"/>
+              <a:t> use chained equations?</a:t>
+            </a:r>
+          </a:p>
+        </p:txBody>
+      </p:sp>
+      <p:sp>
+        <p:nvSpPr>
+          <p:cNvPr id="3" name="Content Placeholder 2">
+            <a:extLst>
+              <a:ext uri="{FF2B5EF4-FFF2-40B4-BE49-F238E27FC236}">
+                <a16:creationId xmlns:a16="http://schemas.microsoft.com/office/drawing/2014/main" id="{9FE6CA47-297B-40BB-9681-DE52FF575E4D}"/>
+              </a:ext>
+            </a:extLst>
+          </p:cNvPr>
+          <p:cNvSpPr>
+            <a:spLocks noGrp="1"/>
+          </p:cNvSpPr>
+          <p:nvPr>
+            <p:ph idx="1"/>
+          </p:nvPr>
+        </p:nvSpPr>
+        <p:spPr/>
+        <p:txBody>
+          <a:bodyPr/>
+          <a:lstStyle/>
+          <a:p>
+            <a:r>
+              <a:rPr lang="en-US" dirty="0"/>
+              <a:t>No, Amelia (among others) uses a multivariate normal sampling method to simultaneously </a:t>
+            </a:r>
+            <a:r>
+              <a:rPr lang="en-US"/>
+              <a:t>estimate parameters</a:t>
+            </a:r>
+            <a:endParaRPr lang="en-US" dirty="0"/>
+          </a:p>
+        </p:txBody>
+      </p:sp>
+    </p:spTree>
+    <p:extLst>
+      <p:ext uri="{BB962C8B-B14F-4D97-AF65-F5344CB8AC3E}">
+        <p14:creationId xmlns:p14="http://schemas.microsoft.com/office/powerpoint/2010/main" val="354842531"/>
+      </p:ext>
+    </p:extLst>
+  </p:cSld>
+  <p:clrMapOvr>
+    <a:masterClrMapping/>
+  </p:clrMapOvr>
+</p:sld>
+</file>
+
+<file path=ppt/slides/slide71.xml><?xml version="1.0" encoding="utf-8"?>
+<p:sld xmlns:a="http://schemas.openxmlformats.org/drawingml/2006/main" xmlns:r="http://schemas.openxmlformats.org/officeDocument/2006/relationships" xmlns:p="http://schemas.openxmlformats.org/presentationml/2006/main">
+  <p:cSld>
+    <p:spTree>
+      <p:nvGrpSpPr>
+        <p:cNvPr id="1" name=""/>
+        <p:cNvGrpSpPr/>
+        <p:nvPr/>
+      </p:nvGrpSpPr>
+      <p:grpSpPr>
+        <a:xfrm>
+          <a:off x="0" y="0"/>
+          <a:ext cx="0" cy="0"/>
+          <a:chOff x="0" y="0"/>
+          <a:chExt cx="0" cy="0"/>
+        </a:xfrm>
+      </p:grpSpPr>
+      <p:sp>
+        <p:nvSpPr>
+          <p:cNvPr id="2" name="Title 1">
+            <a:extLst>
+              <a:ext uri="{FF2B5EF4-FFF2-40B4-BE49-F238E27FC236}">
+                <a16:creationId xmlns:a16="http://schemas.microsoft.com/office/drawing/2014/main" id="{32296BF8-EB1F-4ED3-8FC5-C0C453EE53AA}"/>
+              </a:ext>
+            </a:extLst>
+          </p:cNvPr>
+          <p:cNvSpPr>
+            <a:spLocks noGrp="1"/>
+          </p:cNvSpPr>
+          <p:nvPr>
+            <p:ph type="title"/>
+          </p:nvPr>
+        </p:nvSpPr>
+        <p:spPr/>
+        <p:txBody>
+          <a:bodyPr/>
+          <a:lstStyle/>
+          <a:p>
+            <a:r>
+              <a:rPr lang="en-US" dirty="0"/>
+              <a:t>How do we know when we’re done?</a:t>
+            </a:r>
+          </a:p>
+        </p:txBody>
+      </p:sp>
+      <p:sp>
+        <p:nvSpPr>
+          <p:cNvPr id="3" name="Content Placeholder 2">
+            <a:extLst>
+              <a:ext uri="{FF2B5EF4-FFF2-40B4-BE49-F238E27FC236}">
+                <a16:creationId xmlns:a16="http://schemas.microsoft.com/office/drawing/2014/main" id="{5FBE2B7F-CD95-402C-86C7-B7E0F08CECE3}"/>
+              </a:ext>
+            </a:extLst>
+          </p:cNvPr>
+          <p:cNvSpPr>
+            <a:spLocks noGrp="1"/>
+          </p:cNvSpPr>
+          <p:nvPr>
+            <p:ph idx="1"/>
+          </p:nvPr>
+        </p:nvSpPr>
+        <p:spPr/>
+        <p:txBody>
+          <a:bodyPr/>
+          <a:lstStyle/>
+          <a:p>
+            <a:r>
+              <a:rPr lang="en-US" dirty="0"/>
+              <a:t>At a higher level, we’re really doing a two-step</a:t>
+            </a:r>
+          </a:p>
+          <a:p>
+            <a:pPr marL="800100" lvl="1" indent="-457200">
+              <a:buAutoNum type="arabicParenR"/>
+            </a:pPr>
+            <a:r>
+              <a:rPr lang="en-US" b="1" dirty="0"/>
+              <a:t>Imputation step: </a:t>
+            </a:r>
+            <a:r>
+              <a:rPr lang="en-US" dirty="0"/>
+              <a:t>use observed relations to generate a best guess of each Y and X (with uncertainty) for missing observations</a:t>
+            </a:r>
+          </a:p>
+          <a:p>
+            <a:pPr marL="800100" lvl="1" indent="-457200">
+              <a:buAutoNum type="arabicParenR"/>
+            </a:pPr>
+            <a:r>
+              <a:rPr lang="en-US" b="1" dirty="0"/>
+              <a:t>Estimation step:</a:t>
+            </a:r>
+            <a:r>
+              <a:rPr lang="en-US" dirty="0"/>
+              <a:t> Estimate a new set of relations based on this dataset since relations have now shifted around</a:t>
+            </a:r>
+          </a:p>
+          <a:p>
+            <a:pPr lvl="1"/>
+            <a:endParaRPr lang="en-US" dirty="0"/>
+          </a:p>
+          <a:p>
+            <a:pPr lvl="1"/>
+            <a:r>
+              <a:rPr lang="en-US" b="1" dirty="0"/>
+              <a:t>Rinse and repeat until estimates stop changing (“converge”)</a:t>
+            </a:r>
+          </a:p>
+        </p:txBody>
+      </p:sp>
+    </p:spTree>
+    <p:extLst>
+      <p:ext uri="{BB962C8B-B14F-4D97-AF65-F5344CB8AC3E}">
+        <p14:creationId xmlns:p14="http://schemas.microsoft.com/office/powerpoint/2010/main" val="2198749743"/>
       </p:ext>
     </p:extLst>
   </p:cSld>
